--- a/ppt素材/述职报告.pptx
+++ b/ppt素材/述职报告.pptx
@@ -6,10 +6,10 @@
     <p:sldMasterId id="2147483663" r:id="rId2"/>
   </p:sldMasterIdLst>
   <p:notesMasterIdLst>
-    <p:notesMasterId r:id="rId27"/>
+    <p:notesMasterId r:id="rId28"/>
   </p:notesMasterIdLst>
   <p:handoutMasterIdLst>
-    <p:handoutMasterId r:id="rId28"/>
+    <p:handoutMasterId r:id="rId29"/>
   </p:handoutMasterIdLst>
   <p:sldIdLst>
     <p:sldId id="385" r:id="rId3"/>
@@ -24,18 +24,19 @@
     <p:sldId id="442" r:id="rId12"/>
     <p:sldId id="438" r:id="rId13"/>
     <p:sldId id="440" r:id="rId14"/>
-    <p:sldId id="433" r:id="rId15"/>
-    <p:sldId id="411" r:id="rId16"/>
-    <p:sldId id="420" r:id="rId17"/>
-    <p:sldId id="412" r:id="rId18"/>
-    <p:sldId id="446" r:id="rId19"/>
-    <p:sldId id="421" r:id="rId20"/>
-    <p:sldId id="443" r:id="rId21"/>
-    <p:sldId id="444" r:id="rId22"/>
-    <p:sldId id="445" r:id="rId23"/>
-    <p:sldId id="413" r:id="rId24"/>
-    <p:sldId id="422" r:id="rId25"/>
-    <p:sldId id="392" r:id="rId26"/>
+    <p:sldId id="448" r:id="rId15"/>
+    <p:sldId id="433" r:id="rId16"/>
+    <p:sldId id="411" r:id="rId17"/>
+    <p:sldId id="447" r:id="rId18"/>
+    <p:sldId id="412" r:id="rId19"/>
+    <p:sldId id="446" r:id="rId20"/>
+    <p:sldId id="421" r:id="rId21"/>
+    <p:sldId id="443" r:id="rId22"/>
+    <p:sldId id="444" r:id="rId23"/>
+    <p:sldId id="445" r:id="rId24"/>
+    <p:sldId id="413" r:id="rId25"/>
+    <p:sldId id="422" r:id="rId26"/>
+    <p:sldId id="392" r:id="rId27"/>
   </p:sldIdLst>
   <p:sldSz cx="12195175" cy="6859588"/>
   <p:notesSz cx="6858000" cy="9144000"/>
@@ -136,7 +137,7 @@
   </p:defaultTextStyle>
   <p:extLst>
     <p:ext uri="{EFAFB233-063F-42B5-8137-9DF3F51BA10A}">
-      <p15:sldGuideLst xmlns:p15="http://schemas.microsoft.com/office/powerpoint/2012/main">
+      <p15:sldGuideLst xmlns:p15="http://schemas.microsoft.com/office/powerpoint/2012/main" xmlns="">
         <p15:guide id="1" orient="horz" pos="2040">
           <p15:clr>
             <a:srgbClr val="A4A3A4"/>
@@ -150,7 +151,7 @@
       </p15:sldGuideLst>
     </p:ext>
     <p:ext uri="{2D200454-40CA-4A62-9FC3-DE9A4176ACB9}">
-      <p15:notesGuideLst xmlns:p15="http://schemas.microsoft.com/office/powerpoint/2012/main"/>
+      <p15:notesGuideLst xmlns:p15="http://schemas.microsoft.com/office/powerpoint/2012/main" xmlns=""/>
     </p:ext>
   </p:extLst>
 </p:presentation>
@@ -245,7 +246,7 @@
           <a:p>
             <a:fld id="{A08AC60A-8CFA-4CAF-9570-F6C69DC5B3D6}" type="datetimeFigureOut">
               <a:rPr lang="zh-CN" altLang="en-US" smtClean="0"/>
-              <a:t>2022/1/3</a:t>
+              <a:t>2022/1/4</a:t>
             </a:fld>
             <a:endParaRPr lang="zh-CN" altLang="en-US"/>
           </a:p>
@@ -410,7 +411,7 @@
           <a:p>
             <a:fld id="{F6DDFF31-CDAD-4458-9FD0-370B85967D7F}" type="datetimeFigureOut">
               <a:rPr lang="zh-CN" altLang="en-US" smtClean="0"/>
-              <a:t>2022/1/3</a:t>
+              <a:t>2022/1/4</a:t>
             </a:fld>
             <a:endParaRPr lang="zh-CN" altLang="en-US"/>
           </a:p>
@@ -742,7 +743,7 @@
           <a:p>
             <a:fld id="{D51056BC-FB63-4C47-B671-44165AF5CE0E}" type="slidenum">
               <a:rPr lang="zh-CN" altLang="en-US" smtClean="0"/>
-              <a:t>13</a:t>
+              <a:t>14</a:t>
             </a:fld>
             <a:endParaRPr lang="zh-CN" altLang="en-US"/>
           </a:p>
@@ -2390,7 +2391,7 @@
           <a:p>
             <a:fld id="{82F288E0-7875-42C4-84C8-98DBBD3BF4D2}" type="datetimeFigureOut">
               <a:rPr lang="zh-CN" altLang="en-US" smtClean="0"/>
-              <a:t>2022/1/3</a:t>
+              <a:t>2022/1/4</a:t>
             </a:fld>
             <a:endParaRPr lang="zh-CN" altLang="en-US"/>
           </a:p>
@@ -2579,7 +2580,7 @@
           <a:p>
             <a:fld id="{760FBDFE-C587-4B4C-A407-44438C67B59E}" type="datetimeFigureOut">
               <a:rPr lang="zh-CN" altLang="en-US" smtClean="0"/>
-              <a:t>2022/1/3</a:t>
+              <a:t>2022/1/4</a:t>
             </a:fld>
             <a:endParaRPr lang="zh-CN" altLang="en-US"/>
           </a:p>
@@ -3424,7 +3425,7 @@
           <a:p>
             <a:fld id="{760FBDFE-C587-4B4C-A407-44438C67B59E}" type="datetimeFigureOut">
               <a:rPr lang="zh-CN" altLang="en-US" smtClean="0"/>
-              <a:t>2022/1/3</a:t>
+              <a:t>2022/1/4</a:t>
             </a:fld>
             <a:endParaRPr lang="zh-CN" altLang="en-US"/>
           </a:p>
@@ -3597,7 +3598,7 @@
           <a:p>
             <a:fld id="{760FBDFE-C587-4B4C-A407-44438C67B59E}" type="datetimeFigureOut">
               <a:rPr lang="zh-CN" altLang="en-US" smtClean="0"/>
-              <a:t>2022/1/3</a:t>
+              <a:t>2022/1/4</a:t>
             </a:fld>
             <a:endParaRPr lang="zh-CN" altLang="en-US"/>
           </a:p>
@@ -4206,7 +4207,7 @@
           <a:p>
             <a:fld id="{760FBDFE-C587-4B4C-A407-44438C67B59E}" type="datetimeFigureOut">
               <a:rPr lang="zh-CN" altLang="en-US" smtClean="0"/>
-              <a:t>2022/1/3</a:t>
+              <a:t>2022/1/4</a:t>
             </a:fld>
             <a:endParaRPr lang="zh-CN" altLang="en-US"/>
           </a:p>
@@ -5017,7 +5018,7 @@
           <a:p>
             <a:fld id="{760FBDFE-C587-4B4C-A407-44438C67B59E}" type="datetimeFigureOut">
               <a:rPr lang="zh-CN" altLang="en-US" smtClean="0"/>
-              <a:t>2022/1/3</a:t>
+              <a:t>2022/1/4</a:t>
             </a:fld>
             <a:endParaRPr lang="zh-CN" altLang="en-US"/>
           </a:p>
@@ -6211,7 +6212,7 @@
           <a:p>
             <a:fld id="{760FBDFE-C587-4B4C-A407-44438C67B59E}" type="datetimeFigureOut">
               <a:rPr lang="zh-CN" altLang="en-US" smtClean="0"/>
-              <a:t>2022/1/3</a:t>
+              <a:t>2022/1/4</a:t>
             </a:fld>
             <a:endParaRPr lang="zh-CN" altLang="en-US"/>
           </a:p>
@@ -6352,7 +6353,7 @@
           <a:p>
             <a:fld id="{760FBDFE-C587-4B4C-A407-44438C67B59E}" type="datetimeFigureOut">
               <a:rPr lang="zh-CN" altLang="en-US" smtClean="0"/>
-              <a:t>2022/1/3</a:t>
+              <a:t>2022/1/4</a:t>
             </a:fld>
             <a:endParaRPr lang="zh-CN" altLang="en-US"/>
           </a:p>
@@ -6819,7 +6820,7 @@
           <a:p>
             <a:fld id="{9EFD9D74-47D9-4702-A33C-335B63B48DBF}" type="datetimeFigureOut">
               <a:rPr lang="zh-CN" altLang="en-US" smtClean="0"/>
-              <a:t>2022/1/3</a:t>
+              <a:t>2022/1/4</a:t>
             </a:fld>
             <a:endParaRPr lang="zh-CN" altLang="en-US" dirty="0"/>
           </a:p>
@@ -7186,7 +7187,7 @@
           <a:p>
             <a:fld id="{760FBDFE-C587-4B4C-A407-44438C67B59E}" type="datetimeFigureOut">
               <a:rPr lang="zh-CN" altLang="en-US" smtClean="0"/>
-              <a:t>2022/1/3</a:t>
+              <a:t>2022/1/4</a:t>
             </a:fld>
             <a:endParaRPr lang="zh-CN" altLang="en-US"/>
           </a:p>
@@ -7391,7 +7392,7 @@
           <a:p>
             <a:fld id="{760FBDFE-C587-4B4C-A407-44438C67B59E}" type="datetimeFigureOut">
               <a:rPr lang="zh-CN" altLang="en-US" smtClean="0"/>
-              <a:t>2022/1/3</a:t>
+              <a:t>2022/1/4</a:t>
             </a:fld>
             <a:endParaRPr lang="zh-CN" altLang="en-US"/>
           </a:p>
@@ -7711,7 +7712,7 @@
           <a:p>
             <a:fld id="{760FBDFE-C587-4B4C-A407-44438C67B59E}" type="datetimeFigureOut">
               <a:rPr lang="zh-CN" altLang="en-US" smtClean="0"/>
-              <a:t>2022/1/3</a:t>
+              <a:t>2022/1/4</a:t>
             </a:fld>
             <a:endParaRPr lang="zh-CN" altLang="en-US"/>
           </a:p>
@@ -8088,7 +8089,7 @@
           <a:p>
             <a:fld id="{760FBDFE-C587-4B4C-A407-44438C67B59E}" type="datetimeFigureOut">
               <a:rPr lang="zh-CN" altLang="en-US" smtClean="0"/>
-              <a:t>2022/1/3</a:t>
+              <a:t>2022/1/4</a:t>
             </a:fld>
             <a:endParaRPr lang="zh-CN" altLang="en-US"/>
           </a:p>
@@ -8507,7 +8508,7 @@
           <a:p>
             <a:fld id="{760FBDFE-C587-4B4C-A407-44438C67B59E}" type="datetimeFigureOut">
               <a:rPr lang="zh-CN" altLang="en-US" smtClean="0"/>
-              <a:t>2022/1/3</a:t>
+              <a:t>2022/1/4</a:t>
             </a:fld>
             <a:endParaRPr lang="zh-CN" altLang="en-US"/>
           </a:p>
@@ -8787,7 +8788,7 @@
           <a:p>
             <a:fld id="{760FBDFE-C587-4B4C-A407-44438C67B59E}" type="datetimeFigureOut">
               <a:rPr lang="zh-CN" altLang="en-US" smtClean="0"/>
-              <a:t>2022/1/3</a:t>
+              <a:t>2022/1/4</a:t>
             </a:fld>
             <a:endParaRPr lang="zh-CN" altLang="en-US"/>
           </a:p>
@@ -9309,7 +9310,7 @@
           <a:p>
             <a:fld id="{760FBDFE-C587-4B4C-A407-44438C67B59E}" type="datetimeFigureOut">
               <a:rPr lang="zh-CN" altLang="en-US" smtClean="0"/>
-              <a:t>2022/1/3</a:t>
+              <a:t>2022/1/4</a:t>
             </a:fld>
             <a:endParaRPr lang="zh-CN" altLang="en-US"/>
           </a:p>
@@ -10124,7 +10125,7 @@
           <a:p>
             <a:fld id="{760FBDFE-C587-4B4C-A407-44438C67B59E}" type="datetimeFigureOut">
               <a:rPr lang="zh-CN" altLang="en-US" smtClean="0"/>
-              <a:t>2022/1/3</a:t>
+              <a:t>2022/1/4</a:t>
             </a:fld>
             <a:endParaRPr lang="zh-CN" altLang="en-US"/>
           </a:p>
@@ -10582,7 +10583,7 @@
           <a:p>
             <a:fld id="{760FBDFE-C587-4B4C-A407-44438C67B59E}" type="datetimeFigureOut">
               <a:rPr lang="zh-CN" altLang="en-US" smtClean="0"/>
-              <a:t>2022/1/3</a:t>
+              <a:t>2022/1/4</a:t>
             </a:fld>
             <a:endParaRPr lang="zh-CN" altLang="en-US"/>
           </a:p>
@@ -11190,7 +11191,7 @@
           <a:p>
             <a:fld id="{760FBDFE-C587-4B4C-A407-44438C67B59E}" type="datetimeFigureOut">
               <a:rPr lang="zh-CN" altLang="en-US" smtClean="0"/>
-              <a:t>2022/1/3</a:t>
+              <a:t>2022/1/4</a:t>
             </a:fld>
             <a:endParaRPr lang="zh-CN" altLang="en-US"/>
           </a:p>
@@ -15001,7 +15002,7 @@
           <a:p>
             <a:fld id="{760FBDFE-C587-4B4C-A407-44438C67B59E}" type="datetimeFigureOut">
               <a:rPr lang="zh-CN" altLang="en-US" smtClean="0"/>
-              <a:t>2022/1/3</a:t>
+              <a:t>2022/1/4</a:t>
             </a:fld>
             <a:endParaRPr lang="zh-CN" altLang="en-US"/>
           </a:p>
@@ -16061,7 +16062,7 @@
           <p:cNvPr id="8" name="图片 7">
             <a:extLst>
               <a:ext uri="{FF2B5EF4-FFF2-40B4-BE49-F238E27FC236}">
-                <a16:creationId xmlns:a16="http://schemas.microsoft.com/office/drawing/2014/main" id="{4AE94343-0D8F-405C-8F59-840C2A5E1841}"/>
+                <a16:creationId xmlns:a16="http://schemas.microsoft.com/office/drawing/2014/main" xmlns="" id="{4AE94343-0D8F-405C-8F59-840C2A5E1841}"/>
               </a:ext>
             </a:extLst>
           </p:cNvPr>
@@ -16362,8 +16363,8 @@
         </p:blipFill>
         <p:spPr bwMode="auto">
           <a:xfrm>
-            <a:off x="9439924" y="5930415"/>
-            <a:ext cx="786899" cy="786899"/>
+            <a:off x="10268929" y="6258187"/>
+            <a:ext cx="548443" cy="548443"/>
           </a:xfrm>
           <a:prstGeom prst="rect">
             <a:avLst/>
@@ -16403,8 +16404,8 @@
         </p:blipFill>
         <p:spPr bwMode="auto">
           <a:xfrm>
-            <a:off x="10407650" y="5915636"/>
-            <a:ext cx="786899" cy="786899"/>
+            <a:off x="10956308" y="6262458"/>
+            <a:ext cx="548443" cy="548443"/>
           </a:xfrm>
           <a:prstGeom prst="rect">
             <a:avLst/>
@@ -16444,8 +16445,8 @@
         </p:blipFill>
         <p:spPr bwMode="auto">
           <a:xfrm>
-            <a:off x="11385175" y="5930415"/>
-            <a:ext cx="786899" cy="786899"/>
+            <a:off x="11623630" y="6277237"/>
+            <a:ext cx="548443" cy="548443"/>
           </a:xfrm>
           <a:prstGeom prst="rect">
             <a:avLst/>
@@ -16467,7 +16468,7 @@
           <p:cNvPr id="4" name="图片 3">
             <a:extLst>
               <a:ext uri="{FF2B5EF4-FFF2-40B4-BE49-F238E27FC236}">
-                <a16:creationId xmlns:a16="http://schemas.microsoft.com/office/drawing/2014/main" id="{6F0F36A2-20E1-4950-B926-D6EB11D4E289}"/>
+                <a16:creationId xmlns:a16="http://schemas.microsoft.com/office/drawing/2014/main" xmlns="" id="{6F0F36A2-20E1-4950-B926-D6EB11D4E289}"/>
               </a:ext>
             </a:extLst>
           </p:cNvPr>
@@ -16484,7 +16485,7 @@
         </p:blipFill>
         <p:spPr>
           <a:xfrm>
-            <a:off x="3195172" y="693490"/>
+            <a:off x="3649315" y="664170"/>
             <a:ext cx="5501468" cy="5687715"/>
           </a:xfrm>
           <a:prstGeom prst="rect">
@@ -16492,6 +16493,48 @@
           </a:prstGeom>
         </p:spPr>
       </p:pic>
+      <p:sp>
+        <p:nvSpPr>
+          <p:cNvPr id="8" name="TextBox 7"/>
+          <p:cNvSpPr txBox="1"/>
+          <p:nvPr/>
+        </p:nvSpPr>
+        <p:spPr>
+          <a:xfrm>
+            <a:off x="1028551" y="5460985"/>
+            <a:ext cx="3650529" cy="707886"/>
+          </a:xfrm>
+          <a:prstGeom prst="rect">
+            <a:avLst/>
+          </a:prstGeom>
+          <a:noFill/>
+        </p:spPr>
+        <p:txBody>
+          <a:bodyPr wrap="square" rtlCol="0">
+            <a:spAutoFit/>
+          </a:bodyPr>
+          <a:lstStyle/>
+          <a:p>
+            <a:r>
+              <a:rPr lang="zh-CN" altLang="en-US" sz="4000" b="1" dirty="0" smtClean="0">
+                <a:solidFill>
+                  <a:schemeClr val="bg1">
+                    <a:lumMod val="85000"/>
+                  </a:schemeClr>
+                </a:solidFill>
+              </a:rPr>
+              <a:t>关卡策划</a:t>
+            </a:r>
+            <a:endParaRPr lang="zh-CN" altLang="en-US" sz="4000" b="1" dirty="0">
+              <a:solidFill>
+                <a:schemeClr val="bg1">
+                  <a:lumMod val="85000"/>
+                </a:schemeClr>
+              </a:solidFill>
+            </a:endParaRPr>
+          </a:p>
+        </p:txBody>
+      </p:sp>
     </p:spTree>
     <p:extLst>
       <p:ext uri="{BB962C8B-B14F-4D97-AF65-F5344CB8AC3E}">
@@ -17092,7 +17135,7 @@
           </p:spPr>
           <p:txBody>
             <a:bodyPr wrap="square" rtlCol="0" anchor="ctr" anchorCtr="0">
-              <a:normAutofit fontScale="90000" lnSpcReduction="10000"/>
+              <a:normAutofit fontScale="90000" lnSpcReduction="20000"/>
             </a:bodyPr>
             <a:lstStyle>
               <a:defPPr>
@@ -17487,7 +17530,7 @@
           </p:spPr>
           <p:txBody>
             <a:bodyPr wrap="square" rtlCol="0" anchor="ctr" anchorCtr="0">
-              <a:normAutofit fontScale="90000" lnSpcReduction="10000"/>
+              <a:normAutofit fontScale="90000" lnSpcReduction="20000"/>
             </a:bodyPr>
             <a:lstStyle>
               <a:defPPr>
@@ -17876,7 +17919,7 @@
           </p:spPr>
           <p:txBody>
             <a:bodyPr wrap="square" rtlCol="0" anchor="ctr" anchorCtr="0">
-              <a:normAutofit fontScale="90000" lnSpcReduction="10000"/>
+              <a:normAutofit fontScale="90000" lnSpcReduction="20000"/>
             </a:bodyPr>
             <a:lstStyle>
               <a:defPPr>
@@ -18265,7 +18308,7 @@
           </p:spPr>
           <p:txBody>
             <a:bodyPr wrap="square" rtlCol="0" anchor="ctr" anchorCtr="0">
-              <a:normAutofit fontScale="90000" lnSpcReduction="10000"/>
+              <a:normAutofit fontScale="90000" lnSpcReduction="20000"/>
             </a:bodyPr>
             <a:lstStyle>
               <a:defPPr>
@@ -18668,7 +18711,7 @@
             </p:spPr>
             <p:txBody>
               <a:bodyPr wrap="square" rtlCol="0" anchor="ctr" anchorCtr="0">
-                <a:normAutofit fontScale="90000" lnSpcReduction="10000"/>
+                <a:normAutofit fontScale="90000" lnSpcReduction="20000"/>
               </a:bodyPr>
               <a:lstStyle>
                 <a:defPPr>
@@ -18949,6 +18992,138 @@
       </p:grpSpPr>
       <p:sp>
         <p:nvSpPr>
+          <p:cNvPr id="2" name="灯片编号占位符 1"/>
+          <p:cNvSpPr>
+            <a:spLocks noGrp="1"/>
+          </p:cNvSpPr>
+          <p:nvPr>
+            <p:ph type="sldNum" sz="quarter" idx="4294967295"/>
+          </p:nvPr>
+        </p:nvSpPr>
+        <p:spPr>
+          <a:xfrm>
+            <a:off x="11781790" y="6494145"/>
+            <a:ext cx="413385" cy="227330"/>
+          </a:xfrm>
+        </p:spPr>
+        <p:txBody>
+          <a:bodyPr/>
+          <a:lstStyle/>
+          <a:p>
+            <a:pPr algn="ctr"/>
+            <a:fld id="{7D9BB5D0-35E4-459D-AEF3-FE4D7C45CC19}" type="slidenum">
+              <a:rPr lang="zh-CN" altLang="en-US" sz="900" b="1" smtClean="0">
+                <a:solidFill>
+                  <a:schemeClr val="bg1">
+                    <a:lumMod val="95000"/>
+                  </a:schemeClr>
+                </a:solidFill>
+                <a:latin typeface="Calibri" panose="020F0502020204030204" charset="0"/>
+                <a:cs typeface="Calibri" panose="020F0502020204030204" charset="0"/>
+              </a:rPr>
+              <a:t>13</a:t>
+            </a:fld>
+            <a:endParaRPr lang="zh-CN" altLang="en-US" sz="900" b="1">
+              <a:solidFill>
+                <a:schemeClr val="bg1">
+                  <a:lumMod val="95000"/>
+                </a:schemeClr>
+              </a:solidFill>
+              <a:latin typeface="Calibri" panose="020F0502020204030204" charset="0"/>
+              <a:cs typeface="Calibri" panose="020F0502020204030204" charset="0"/>
+            </a:endParaRPr>
+          </a:p>
+        </p:txBody>
+      </p:sp>
+      <p:sp>
+        <p:nvSpPr>
+          <p:cNvPr id="33" name="文本框 2"/>
+          <p:cNvSpPr txBox="1"/>
+          <p:nvPr/>
+        </p:nvSpPr>
+        <p:spPr>
+          <a:xfrm>
+            <a:off x="1844" y="0"/>
+            <a:ext cx="4363720" cy="706755"/>
+          </a:xfrm>
+          <a:prstGeom prst="rect">
+            <a:avLst/>
+          </a:prstGeom>
+          <a:noFill/>
+        </p:spPr>
+        <p:txBody>
+          <a:bodyPr wrap="square" rtlCol="0" anchor="t">
+            <a:spAutoFit/>
+          </a:bodyPr>
+          <a:lstStyle/>
+          <a:p>
+            <a:r>
+              <a:rPr lang="zh-CN" altLang="en-US" sz="4000" b="1" dirty="0">
+                <a:solidFill>
+                  <a:schemeClr val="tx1"/>
+                </a:solidFill>
+                <a:effectLst>
+                  <a:outerShdw blurRad="38100" dist="19050" dir="2700000" algn="tl" rotWithShape="0">
+                    <a:schemeClr val="dk1">
+                      <a:alpha val="40000"/>
+                    </a:schemeClr>
+                  </a:outerShdw>
+                </a:effectLst>
+                <a:sym typeface="+mn-ea"/>
+              </a:rPr>
+              <a:t>与公司的契合度</a:t>
+            </a:r>
+            <a:r>
+              <a:rPr lang="zh-CN" altLang="en-US" b="1" dirty="0">
+                <a:solidFill>
+                  <a:schemeClr val="tx1"/>
+                </a:solidFill>
+                <a:effectLst>
+                  <a:outerShdw blurRad="38100" dist="19050" dir="2700000" algn="tl" rotWithShape="0">
+                    <a:schemeClr val="dk1">
+                      <a:alpha val="40000"/>
+                    </a:schemeClr>
+                  </a:outerShdw>
+                </a:effectLst>
+                <a:sym typeface="+mn-ea"/>
+              </a:rPr>
+              <a:t>：</a:t>
+            </a:r>
+          </a:p>
+        </p:txBody>
+      </p:sp>
+    </p:spTree>
+    <p:extLst>
+      <p:ext uri="{BB962C8B-B14F-4D97-AF65-F5344CB8AC3E}">
+        <p14:creationId xmlns:p14="http://schemas.microsoft.com/office/powerpoint/2010/main" val="2551385037"/>
+      </p:ext>
+    </p:extLst>
+  </p:cSld>
+  <p:clrMapOvr>
+    <a:masterClrMapping/>
+  </p:clrMapOvr>
+</p:sld>
+</file>
+
+<file path=ppt/slides/slide14.xml><?xml version="1.0" encoding="utf-8"?>
+<p:sld xmlns:a="http://schemas.openxmlformats.org/drawingml/2006/main" xmlns:r="http://schemas.openxmlformats.org/officeDocument/2006/relationships" xmlns:p="http://schemas.openxmlformats.org/presentationml/2006/main">
+  <p:cSld>
+    <p:spTree>
+      <p:nvGrpSpPr>
+        <p:cNvPr id="1" name=""/>
+        <p:cNvGrpSpPr/>
+        <p:nvPr/>
+      </p:nvGrpSpPr>
+      <p:grpSpPr>
+        <a:xfrm>
+          <a:off x="0" y="0"/>
+          <a:ext cx="0" cy="0"/>
+          <a:chOff x="0" y="0"/>
+          <a:chExt cx="0" cy="0"/>
+        </a:xfrm>
+      </p:grpSpPr>
+      <p:sp>
+        <p:nvSpPr>
           <p:cNvPr id="77" name="文本框 76"/>
           <p:cNvSpPr txBox="1"/>
           <p:nvPr>
@@ -19471,7 +19646,7 @@
         </p:style>
         <p:txBody>
           <a:bodyPr wrap="square" lIns="90000" tIns="46800" rIns="90000" bIns="46800" anchor="ctr">
-            <a:normAutofit lnSpcReduction="10000"/>
+            <a:normAutofit fontScale="92500" lnSpcReduction="10000"/>
           </a:bodyPr>
           <a:lstStyle/>
           <a:p>
@@ -20031,7 +20206,7 @@
         </p:style>
         <p:txBody>
           <a:bodyPr wrap="square" lIns="90000" tIns="46800" rIns="90000" bIns="46800" anchor="ctr">
-            <a:normAutofit lnSpcReduction="10000"/>
+            <a:normAutofit fontScale="92500" lnSpcReduction="10000"/>
           </a:bodyPr>
           <a:lstStyle/>
           <a:p>
@@ -20569,7 +20744,7 @@
         </p:style>
         <p:txBody>
           <a:bodyPr wrap="square" lIns="90000" tIns="46800" rIns="90000" bIns="46800" anchor="ctr">
-            <a:normAutofit lnSpcReduction="10000"/>
+            <a:normAutofit fontScale="92500" lnSpcReduction="10000"/>
           </a:bodyPr>
           <a:lstStyle/>
           <a:p>
@@ -21153,7 +21328,7 @@
         </p:style>
         <p:txBody>
           <a:bodyPr vertOverflow="overflow" horzOverflow="overflow" vert="horz" wrap="square" lIns="90000" tIns="46800" rIns="90000" bIns="46800" numCol="1" spcCol="0" rtlCol="0" fromWordArt="0" anchor="ctr" anchorCtr="0" forceAA="0" compatLnSpc="1">
-            <a:normAutofit lnSpcReduction="10000"/>
+            <a:normAutofit fontScale="92500" lnSpcReduction="10000"/>
           </a:bodyPr>
           <a:lstStyle/>
           <a:p>
@@ -21221,7 +21396,7 @@
           </p:spPr>
           <p:txBody>
             <a:bodyPr wrap="square" rtlCol="0">
-              <a:normAutofit lnSpcReduction="10000"/>
+              <a:normAutofit fontScale="92500" lnSpcReduction="10000"/>
             </a:bodyPr>
             <a:lstStyle>
               <a:defPPr>
@@ -21363,7 +21538,7 @@
           </p:spPr>
           <p:txBody>
             <a:bodyPr wrap="square" rtlCol="0">
-              <a:normAutofit/>
+              <a:normAutofit lnSpcReduction="10000"/>
             </a:bodyPr>
             <a:lstStyle>
               <a:defPPr>
@@ -21520,7 +21695,7 @@
 </p:sld>
 </file>
 
-<file path=ppt/slides/slide14.xml><?xml version="1.0" encoding="utf-8"?>
+<file path=ppt/slides/slide15.xml><?xml version="1.0" encoding="utf-8"?>
 <p:sld xmlns:a="http://schemas.openxmlformats.org/drawingml/2006/main" xmlns:r="http://schemas.openxmlformats.org/officeDocument/2006/relationships" xmlns:p="http://schemas.openxmlformats.org/presentationml/2006/main">
   <p:cSld>
     <p:spTree>
@@ -21970,7 +22145,7 @@
 </p:sld>
 </file>
 
-<file path=ppt/slides/slide15.xml><?xml version="1.0" encoding="utf-8"?>
+<file path=ppt/slides/slide16.xml><?xml version="1.0" encoding="utf-8"?>
 <p:sld xmlns:a="http://schemas.openxmlformats.org/drawingml/2006/main" xmlns:r="http://schemas.openxmlformats.org/officeDocument/2006/relationships" xmlns:p="http://schemas.openxmlformats.org/presentationml/2006/main">
   <p:cSld>
     <p:spTree>
@@ -22110,7 +22285,7 @@
                 <a:latin typeface="Calibri" panose="020F0502020204030204" charset="0"/>
                 <a:cs typeface="Calibri" panose="020F0502020204030204" charset="0"/>
               </a:rPr>
-              <a:t>15</a:t>
+              <a:t>16</a:t>
             </a:fld>
             <a:endParaRPr lang="zh-CN" altLang="en-US" sz="900" b="1">
               <a:solidFill>
@@ -23269,7 +23444,7 @@
           <p:cNvPr id="12" name="TextBox 4">
             <a:extLst>
               <a:ext uri="{FF2B5EF4-FFF2-40B4-BE49-F238E27FC236}">
-                <a16:creationId xmlns:a16="http://schemas.microsoft.com/office/drawing/2014/main" id="{BEC743D7-B9FE-415E-889C-144C2084269B}"/>
+                <a16:creationId xmlns:a16="http://schemas.microsoft.com/office/drawing/2014/main" xmlns="" id="{BEC743D7-B9FE-415E-889C-144C2084269B}"/>
               </a:ext>
             </a:extLst>
           </p:cNvPr>
@@ -23324,7 +23499,7 @@
           <p:cNvPr id="14" name="TextBox 4">
             <a:extLst>
               <a:ext uri="{FF2B5EF4-FFF2-40B4-BE49-F238E27FC236}">
-                <a16:creationId xmlns:a16="http://schemas.microsoft.com/office/drawing/2014/main" id="{22861471-D87F-41D5-B921-4626FBE233C2}"/>
+                <a16:creationId xmlns:a16="http://schemas.microsoft.com/office/drawing/2014/main" xmlns="" id="{22861471-D87F-41D5-B921-4626FBE233C2}"/>
               </a:ext>
             </a:extLst>
           </p:cNvPr>
@@ -23379,7 +23554,7 @@
           <p:cNvPr id="15" name="TextBox 4">
             <a:extLst>
               <a:ext uri="{FF2B5EF4-FFF2-40B4-BE49-F238E27FC236}">
-                <a16:creationId xmlns:a16="http://schemas.microsoft.com/office/drawing/2014/main" id="{6A80403D-2B4C-43AC-8019-94CAA19AB2A5}"/>
+                <a16:creationId xmlns:a16="http://schemas.microsoft.com/office/drawing/2014/main" xmlns="" id="{6A80403D-2B4C-43AC-8019-94CAA19AB2A5}"/>
               </a:ext>
             </a:extLst>
           </p:cNvPr>
@@ -23430,6 +23605,11 @@
         </p:txBody>
       </p:sp>
     </p:spTree>
+    <p:extLst>
+      <p:ext uri="{BB962C8B-B14F-4D97-AF65-F5344CB8AC3E}">
+        <p14:creationId xmlns:p14="http://schemas.microsoft.com/office/powerpoint/2010/main" val="1614290015"/>
+      </p:ext>
+    </p:extLst>
   </p:cSld>
   <p:clrMapOvr>
     <a:masterClrMapping/>
@@ -23792,7 +23972,7 @@
 </p:sld>
 </file>
 
-<file path=ppt/slides/slide16.xml><?xml version="1.0" encoding="utf-8"?>
+<file path=ppt/slides/slide17.xml><?xml version="1.0" encoding="utf-8"?>
 <p:sld xmlns:a="http://schemas.openxmlformats.org/drawingml/2006/main" xmlns:r="http://schemas.openxmlformats.org/officeDocument/2006/relationships" xmlns:p="http://schemas.openxmlformats.org/presentationml/2006/main">
   <p:cSld>
     <p:spTree>
@@ -24242,7 +24422,7 @@
 </p:sld>
 </file>
 
-<file path=ppt/slides/slide17.xml><?xml version="1.0" encoding="utf-8"?>
+<file path=ppt/slides/slide18.xml><?xml version="1.0" encoding="utf-8"?>
 <p:sld xmlns:a="http://schemas.openxmlformats.org/drawingml/2006/main" xmlns:r="http://schemas.openxmlformats.org/officeDocument/2006/relationships" xmlns:p="http://schemas.openxmlformats.org/presentationml/2006/main">
   <p:cSld>
     <p:spTree>
@@ -24382,7 +24562,7 @@
                 <a:latin typeface="Calibri" panose="020F0502020204030204" charset="0"/>
                 <a:cs typeface="Calibri" panose="020F0502020204030204" charset="0"/>
               </a:rPr>
-              <a:t>17</a:t>
+              <a:t>18</a:t>
             </a:fld>
             <a:endParaRPr lang="zh-CN" altLang="en-US" sz="900" b="1">
               <a:solidFill>
@@ -24638,7 +24818,7 @@
           <p:cNvPr id="4" name="图片 3">
             <a:extLst>
               <a:ext uri="{FF2B5EF4-FFF2-40B4-BE49-F238E27FC236}">
-                <a16:creationId xmlns:a16="http://schemas.microsoft.com/office/drawing/2014/main" id="{E72CF914-7717-4BE4-9873-5F5C1979B77D}"/>
+                <a16:creationId xmlns:a16="http://schemas.microsoft.com/office/drawing/2014/main" xmlns="" id="{E72CF914-7717-4BE4-9873-5F5C1979B77D}"/>
               </a:ext>
             </a:extLst>
           </p:cNvPr>
@@ -24668,7 +24848,7 @@
           <p:cNvPr id="6" name="图片 5">
             <a:extLst>
               <a:ext uri="{FF2B5EF4-FFF2-40B4-BE49-F238E27FC236}">
-                <a16:creationId xmlns:a16="http://schemas.microsoft.com/office/drawing/2014/main" id="{6976B9F9-6C9A-4776-A5D1-A66835E22ED9}"/>
+                <a16:creationId xmlns:a16="http://schemas.microsoft.com/office/drawing/2014/main" xmlns="" id="{6976B9F9-6C9A-4776-A5D1-A66835E22ED9}"/>
               </a:ext>
             </a:extLst>
           </p:cNvPr>
@@ -24699,408 +24879,6 @@
         <p14:creationId xmlns:p14="http://schemas.microsoft.com/office/powerpoint/2010/main" val="793625025"/>
       </p:ext>
     </p:extLst>
-  </p:cSld>
-  <p:clrMapOvr>
-    <a:masterClrMapping/>
-  </p:clrMapOvr>
-  <p:timing>
-    <p:tnLst>
-      <p:par>
-        <p:cTn id="1" dur="indefinite" restart="never" nodeType="tmRoot">
-          <p:childTnLst>
-            <p:seq concurrent="1" nextAc="seek">
-              <p:cTn id="2" dur="indefinite" nodeType="mainSeq">
-                <p:childTnLst>
-                  <p:par>
-                    <p:cTn id="3" fill="hold">
-                      <p:stCondLst>
-                        <p:cond delay="indefinite"/>
-                      </p:stCondLst>
-                      <p:childTnLst>
-                        <p:par>
-                          <p:cTn id="4" fill="hold">
-                            <p:stCondLst>
-                              <p:cond delay="0"/>
-                            </p:stCondLst>
-                            <p:childTnLst>
-                              <p:par>
-                                <p:cTn id="5" presetID="14" presetClass="entr" presetSubtype="10" fill="hold" grpId="0" nodeType="clickEffect">
-                                  <p:stCondLst>
-                                    <p:cond delay="0"/>
-                                  </p:stCondLst>
-                                  <p:childTnLst>
-                                    <p:set>
-                                      <p:cBhvr>
-                                        <p:cTn id="6" dur="1" fill="hold">
-                                          <p:stCondLst>
-                                            <p:cond delay="0"/>
-                                          </p:stCondLst>
-                                        </p:cTn>
-                                        <p:tgtEl>
-                                          <p:spTgt spid="7"/>
-                                        </p:tgtEl>
-                                        <p:attrNameLst>
-                                          <p:attrName>style.visibility</p:attrName>
-                                        </p:attrNameLst>
-                                      </p:cBhvr>
-                                      <p:to>
-                                        <p:strVal val="visible"/>
-                                      </p:to>
-                                    </p:set>
-                                    <p:animEffect transition="in" filter="randombar(horizontal)">
-                                      <p:cBhvr>
-                                        <p:cTn id="7" dur="500"/>
-                                        <p:tgtEl>
-                                          <p:spTgt spid="7"/>
-                                        </p:tgtEl>
-                                      </p:cBhvr>
-                                    </p:animEffect>
-                                  </p:childTnLst>
-                                </p:cTn>
-                              </p:par>
-                              <p:par>
-                                <p:cTn id="8" presetID="14" presetClass="entr" presetSubtype="10" fill="hold" grpId="0" nodeType="withEffect">
-                                  <p:stCondLst>
-                                    <p:cond delay="0"/>
-                                  </p:stCondLst>
-                                  <p:childTnLst>
-                                    <p:set>
-                                      <p:cBhvr>
-                                        <p:cTn id="9" dur="1" fill="hold">
-                                          <p:stCondLst>
-                                            <p:cond delay="0"/>
-                                          </p:stCondLst>
-                                        </p:cTn>
-                                        <p:tgtEl>
-                                          <p:spTgt spid="10"/>
-                                        </p:tgtEl>
-                                        <p:attrNameLst>
-                                          <p:attrName>style.visibility</p:attrName>
-                                        </p:attrNameLst>
-                                      </p:cBhvr>
-                                      <p:to>
-                                        <p:strVal val="visible"/>
-                                      </p:to>
-                                    </p:set>
-                                    <p:animEffect transition="in" filter="randombar(horizontal)">
-                                      <p:cBhvr>
-                                        <p:cTn id="10" dur="500"/>
-                                        <p:tgtEl>
-                                          <p:spTgt spid="10"/>
-                                        </p:tgtEl>
-                                      </p:cBhvr>
-                                    </p:animEffect>
-                                  </p:childTnLst>
-                                </p:cTn>
-                              </p:par>
-                            </p:childTnLst>
-                          </p:cTn>
-                        </p:par>
-                      </p:childTnLst>
-                    </p:cTn>
-                  </p:par>
-                </p:childTnLst>
-              </p:cTn>
-              <p:prevCondLst>
-                <p:cond evt="onPrev" delay="0">
-                  <p:tgtEl>
-                    <p:sldTgt/>
-                  </p:tgtEl>
-                </p:cond>
-              </p:prevCondLst>
-              <p:nextCondLst>
-                <p:cond evt="onNext" delay="0">
-                  <p:tgtEl>
-                    <p:sldTgt/>
-                  </p:tgtEl>
-                </p:cond>
-              </p:nextCondLst>
-            </p:seq>
-          </p:childTnLst>
-        </p:cTn>
-      </p:par>
-    </p:tnLst>
-    <p:bldLst>
-      <p:bldP spid="7" grpId="0"/>
-      <p:bldP spid="10" grpId="0"/>
-    </p:bldLst>
-  </p:timing>
-</p:sld>
-</file>
-
-<file path=ppt/slides/slide18.xml><?xml version="1.0" encoding="utf-8"?>
-<p:sld xmlns:a="http://schemas.openxmlformats.org/drawingml/2006/main" xmlns:r="http://schemas.openxmlformats.org/officeDocument/2006/relationships" xmlns:p="http://schemas.openxmlformats.org/presentationml/2006/main">
-  <p:cSld>
-    <p:spTree>
-      <p:nvGrpSpPr>
-        <p:cNvPr id="1" name=""/>
-        <p:cNvGrpSpPr/>
-        <p:nvPr/>
-      </p:nvGrpSpPr>
-      <p:grpSpPr>
-        <a:xfrm>
-          <a:off x="0" y="0"/>
-          <a:ext cx="0" cy="0"/>
-          <a:chOff x="0" y="0"/>
-          <a:chExt cx="0" cy="0"/>
-        </a:xfrm>
-      </p:grpSpPr>
-      <p:sp>
-        <p:nvSpPr>
-          <p:cNvPr id="3" name="灯片编号占位符 1"/>
-          <p:cNvSpPr>
-            <a:spLocks noGrp="1"/>
-          </p:cNvSpPr>
-          <p:nvPr/>
-        </p:nvSpPr>
-        <p:spPr>
-          <a:xfrm>
-            <a:off x="11781790" y="6494145"/>
-            <a:ext cx="413385" cy="227330"/>
-          </a:xfrm>
-        </p:spPr>
-        <p:txBody>
-          <a:bodyPr/>
-          <a:lstStyle>
-            <a:defPPr>
-              <a:defRPr lang="zh-CN"/>
-            </a:defPPr>
-            <a:lvl1pPr marL="0" algn="l" defTabSz="1066165" rtl="0" eaLnBrk="1" latinLnBrk="0" hangingPunct="1">
-              <a:defRPr sz="2100" kern="1200">
-                <a:solidFill>
-                  <a:schemeClr val="tx1"/>
-                </a:solidFill>
-                <a:latin typeface="+mn-lt"/>
-                <a:ea typeface="+mn-ea"/>
-                <a:cs typeface="+mn-cs"/>
-              </a:defRPr>
-            </a:lvl1pPr>
-            <a:lvl2pPr marL="533400" algn="l" defTabSz="1066165" rtl="0" eaLnBrk="1" latinLnBrk="0" hangingPunct="1">
-              <a:defRPr sz="2100" kern="1200">
-                <a:solidFill>
-                  <a:schemeClr val="tx1"/>
-                </a:solidFill>
-                <a:latin typeface="+mn-lt"/>
-                <a:ea typeface="+mn-ea"/>
-                <a:cs typeface="+mn-cs"/>
-              </a:defRPr>
-            </a:lvl2pPr>
-            <a:lvl3pPr marL="1066165" algn="l" defTabSz="1066165" rtl="0" eaLnBrk="1" latinLnBrk="0" hangingPunct="1">
-              <a:defRPr sz="2100" kern="1200">
-                <a:solidFill>
-                  <a:schemeClr val="tx1"/>
-                </a:solidFill>
-                <a:latin typeface="+mn-lt"/>
-                <a:ea typeface="+mn-ea"/>
-                <a:cs typeface="+mn-cs"/>
-              </a:defRPr>
-            </a:lvl3pPr>
-            <a:lvl4pPr marL="1599565" algn="l" defTabSz="1066165" rtl="0" eaLnBrk="1" latinLnBrk="0" hangingPunct="1">
-              <a:defRPr sz="2100" kern="1200">
-                <a:solidFill>
-                  <a:schemeClr val="tx1"/>
-                </a:solidFill>
-                <a:latin typeface="+mn-lt"/>
-                <a:ea typeface="+mn-ea"/>
-                <a:cs typeface="+mn-cs"/>
-              </a:defRPr>
-            </a:lvl4pPr>
-            <a:lvl5pPr marL="2132965" algn="l" defTabSz="1066165" rtl="0" eaLnBrk="1" latinLnBrk="0" hangingPunct="1">
-              <a:defRPr sz="2100" kern="1200">
-                <a:solidFill>
-                  <a:schemeClr val="tx1"/>
-                </a:solidFill>
-                <a:latin typeface="+mn-lt"/>
-                <a:ea typeface="+mn-ea"/>
-                <a:cs typeface="+mn-cs"/>
-              </a:defRPr>
-            </a:lvl5pPr>
-            <a:lvl6pPr marL="2665730" algn="l" defTabSz="1066165" rtl="0" eaLnBrk="1" latinLnBrk="0" hangingPunct="1">
-              <a:defRPr sz="2100" kern="1200">
-                <a:solidFill>
-                  <a:schemeClr val="tx1"/>
-                </a:solidFill>
-                <a:latin typeface="+mn-lt"/>
-                <a:ea typeface="+mn-ea"/>
-                <a:cs typeface="+mn-cs"/>
-              </a:defRPr>
-            </a:lvl6pPr>
-            <a:lvl7pPr marL="3199130" algn="l" defTabSz="1066165" rtl="0" eaLnBrk="1" latinLnBrk="0" hangingPunct="1">
-              <a:defRPr sz="2100" kern="1200">
-                <a:solidFill>
-                  <a:schemeClr val="tx1"/>
-                </a:solidFill>
-                <a:latin typeface="+mn-lt"/>
-                <a:ea typeface="+mn-ea"/>
-                <a:cs typeface="+mn-cs"/>
-              </a:defRPr>
-            </a:lvl7pPr>
-            <a:lvl8pPr marL="3732530" algn="l" defTabSz="1066165" rtl="0" eaLnBrk="1" latinLnBrk="0" hangingPunct="1">
-              <a:defRPr sz="2100" kern="1200">
-                <a:solidFill>
-                  <a:schemeClr val="tx1"/>
-                </a:solidFill>
-                <a:latin typeface="+mn-lt"/>
-                <a:ea typeface="+mn-ea"/>
-                <a:cs typeface="+mn-cs"/>
-              </a:defRPr>
-            </a:lvl8pPr>
-            <a:lvl9pPr marL="4265295" algn="l" defTabSz="1066165" rtl="0" eaLnBrk="1" latinLnBrk="0" hangingPunct="1">
-              <a:defRPr sz="2100" kern="1200">
-                <a:solidFill>
-                  <a:schemeClr val="tx1"/>
-                </a:solidFill>
-                <a:latin typeface="+mn-lt"/>
-                <a:ea typeface="+mn-ea"/>
-                <a:cs typeface="+mn-cs"/>
-              </a:defRPr>
-            </a:lvl9pPr>
-          </a:lstStyle>
-          <a:p>
-            <a:pPr algn="ctr"/>
-            <a:fld id="{7D9BB5D0-35E4-459D-AEF3-FE4D7C45CC19}" type="slidenum">
-              <a:rPr lang="zh-CN" altLang="en-US" sz="900" b="1" smtClean="0">
-                <a:solidFill>
-                  <a:schemeClr val="bg1">
-                    <a:lumMod val="95000"/>
-                  </a:schemeClr>
-                </a:solidFill>
-                <a:latin typeface="Calibri" panose="020F0502020204030204" charset="0"/>
-                <a:cs typeface="Calibri" panose="020F0502020204030204" charset="0"/>
-              </a:rPr>
-              <a:t>18</a:t>
-            </a:fld>
-            <a:endParaRPr lang="zh-CN" altLang="en-US" sz="900" b="1">
-              <a:solidFill>
-                <a:schemeClr val="bg1">
-                  <a:lumMod val="95000"/>
-                </a:schemeClr>
-              </a:solidFill>
-              <a:latin typeface="Calibri" panose="020F0502020204030204" charset="0"/>
-              <a:cs typeface="Calibri" panose="020F0502020204030204" charset="0"/>
-            </a:endParaRPr>
-          </a:p>
-        </p:txBody>
-      </p:sp>
-      <p:sp>
-        <p:nvSpPr>
-          <p:cNvPr id="7" name="文本框 6"/>
-          <p:cNvSpPr txBox="1"/>
-          <p:nvPr/>
-        </p:nvSpPr>
-        <p:spPr>
-          <a:xfrm>
-            <a:off x="2875280" y="554990"/>
-            <a:ext cx="2348230" cy="275590"/>
-          </a:xfrm>
-          <a:prstGeom prst="rect">
-            <a:avLst/>
-          </a:prstGeom>
-          <a:noFill/>
-        </p:spPr>
-        <p:txBody>
-          <a:bodyPr wrap="square" rtlCol="0">
-            <a:spAutoFit/>
-          </a:bodyPr>
-          <a:lstStyle/>
-          <a:p>
-            <a:pPr algn="l"/>
-            <a:endParaRPr lang="en-US" altLang="zh-CN" sz="1200" dirty="0">
-              <a:solidFill>
-                <a:srgbClr val="0EA978"/>
-              </a:solidFill>
-              <a:latin typeface="Arial Black" panose="020B0A04020102020204" charset="0"/>
-              <a:ea typeface="字魂143号-正酷超级黑" panose="00000500000000000000" pitchFamily="2" charset="-122"/>
-              <a:cs typeface="Arial Black" panose="020B0A04020102020204" charset="0"/>
-            </a:endParaRPr>
-          </a:p>
-        </p:txBody>
-      </p:sp>
-      <p:sp>
-        <p:nvSpPr>
-          <p:cNvPr id="10" name="文本框 9"/>
-          <p:cNvSpPr txBox="1"/>
-          <p:nvPr/>
-        </p:nvSpPr>
-        <p:spPr>
-          <a:xfrm>
-            <a:off x="299060" y="290888"/>
-            <a:ext cx="2715285" cy="583565"/>
-          </a:xfrm>
-          <a:prstGeom prst="rect">
-            <a:avLst/>
-          </a:prstGeom>
-          <a:noFill/>
-        </p:spPr>
-        <p:txBody>
-          <a:bodyPr wrap="square" rtlCol="0">
-            <a:spAutoFit/>
-          </a:bodyPr>
-          <a:lstStyle/>
-          <a:p>
-            <a:r>
-              <a:rPr lang="zh-CN" altLang="en-US" sz="3200" b="1" dirty="0">
-                <a:solidFill>
-                  <a:srgbClr val="0EA978"/>
-                </a:solidFill>
-                <a:latin typeface="微软雅黑" panose="020B0503020204020204" pitchFamily="34" charset="-122"/>
-                <a:ea typeface="微软雅黑" panose="020B0503020204020204" pitchFamily="34" charset="-122"/>
-              </a:rPr>
-              <a:t>工作体会</a:t>
-            </a:r>
-          </a:p>
-        </p:txBody>
-      </p:sp>
-      <p:sp>
-        <p:nvSpPr>
-          <p:cNvPr id="17" name="文本框 16">
-            <a:extLst>
-              <a:ext uri="{FF2B5EF4-FFF2-40B4-BE49-F238E27FC236}">
-                <a16:creationId xmlns:a16="http://schemas.microsoft.com/office/drawing/2014/main" id="{BC5DAFCF-167F-4FD8-B1C6-48C3CEE6646B}"/>
-              </a:ext>
-            </a:extLst>
-          </p:cNvPr>
-          <p:cNvSpPr txBox="1"/>
-          <p:nvPr/>
-        </p:nvSpPr>
-        <p:spPr>
-          <a:xfrm>
-            <a:off x="120923" y="969278"/>
-            <a:ext cx="6107184" cy="338554"/>
-          </a:xfrm>
-          <a:prstGeom prst="rect">
-            <a:avLst/>
-          </a:prstGeom>
-          <a:noFill/>
-        </p:spPr>
-        <p:txBody>
-          <a:bodyPr wrap="square">
-            <a:spAutoFit/>
-          </a:bodyPr>
-          <a:lstStyle/>
-          <a:p>
-            <a:r>
-              <a:rPr lang="en-US" altLang="zh-CN" sz="1600" dirty="0">
-                <a:latin typeface="微软雅黑" panose="020B0503020204020204" pitchFamily="34" charset="-122"/>
-                <a:ea typeface="微软雅黑" panose="020B0503020204020204" pitchFamily="34" charset="-122"/>
-              </a:rPr>
-              <a:t>2.</a:t>
-            </a:r>
-            <a:r>
-              <a:rPr lang="zh-CN" altLang="en-US" sz="1600" dirty="0">
-                <a:latin typeface="微软雅黑" panose="020B0503020204020204" pitchFamily="34" charset="-122"/>
-                <a:ea typeface="微软雅黑" panose="020B0503020204020204" pitchFamily="34" charset="-122"/>
-              </a:rPr>
-              <a:t>补充游戏中点击动销的需求，并落地</a:t>
-            </a:r>
-            <a:endParaRPr lang="en-US" altLang="zh-CN" sz="1600" dirty="0">
-              <a:latin typeface="微软雅黑" panose="020B0503020204020204" pitchFamily="34" charset="-122"/>
-              <a:ea typeface="微软雅黑" panose="020B0503020204020204" pitchFamily="34" charset="-122"/>
-            </a:endParaRPr>
-          </a:p>
-        </p:txBody>
-      </p:sp>
-    </p:spTree>
   </p:cSld>
   <p:clrMapOvr>
     <a:masterClrMapping/>
@@ -25386,104 +25164,6 @@
       </p:sp>
       <p:sp>
         <p:nvSpPr>
-          <p:cNvPr id="16" name="Rectangle 26"/>
-          <p:cNvSpPr>
-            <a:spLocks noChangeArrowheads="1"/>
-          </p:cNvSpPr>
-          <p:nvPr/>
-        </p:nvSpPr>
-        <p:spPr bwMode="auto">
-          <a:xfrm>
-            <a:off x="419666" y="847203"/>
-            <a:ext cx="7335520" cy="868956"/>
-          </a:xfrm>
-          <a:prstGeom prst="rect">
-            <a:avLst/>
-          </a:prstGeom>
-          <a:noFill/>
-          <a:ln>
-            <a:noFill/>
-          </a:ln>
-          <a:extLst>
-            <a:ext uri="{909E8E84-426E-40DD-AFC4-6F175D3DCCD1}">
-              <a14:hiddenFill xmlns:a14="http://schemas.microsoft.com/office/drawing/2010/main">
-                <a:solidFill>
-                  <a:srgbClr val="FFFFFF"/>
-                </a:solidFill>
-              </a14:hiddenFill>
-            </a:ext>
-            <a:ext uri="{91240B29-F687-4F45-9708-019B960494DF}">
-              <a14:hiddenLine xmlns:a14="http://schemas.microsoft.com/office/drawing/2010/main" w="9525">
-                <a:solidFill>
-                  <a:srgbClr val="000000"/>
-                </a:solidFill>
-                <a:miter lim="800000"/>
-                <a:headEnd/>
-                <a:tailEnd/>
-              </a14:hiddenLine>
-            </a:ext>
-          </a:extLst>
-        </p:spPr>
-        <p:txBody>
-          <a:bodyPr wrap="square" lIns="0" tIns="0" rIns="0" bIns="0">
-            <a:spAutoFit/>
-          </a:bodyPr>
-          <a:lstStyle/>
-          <a:p>
-            <a:pPr algn="l">
-              <a:lnSpc>
-                <a:spcPct val="150000"/>
-              </a:lnSpc>
-            </a:pPr>
-            <a:r>
-              <a:rPr lang="zh-CN" altLang="en-US" sz="2000" dirty="0">
-                <a:sym typeface="+mn-ea"/>
-              </a:rPr>
-              <a:t>加入</a:t>
-            </a:r>
-            <a:r>
-              <a:rPr lang="en-US" altLang="zh-CN" sz="2000" dirty="0">
-                <a:sym typeface="+mn-ea"/>
-              </a:rPr>
-              <a:t>《</a:t>
-            </a:r>
-            <a:r>
-              <a:rPr lang="zh-CN" altLang="en-US" sz="2000" dirty="0">
-                <a:sym typeface="+mn-ea"/>
-              </a:rPr>
-              <a:t>大主宰</a:t>
-            </a:r>
-            <a:r>
-              <a:rPr lang="en-US" altLang="zh-CN" sz="2000" dirty="0">
-                <a:sym typeface="+mn-ea"/>
-              </a:rPr>
-              <a:t>》</a:t>
-            </a:r>
-            <a:r>
-              <a:rPr lang="zh-CN" altLang="en-US" sz="2000" dirty="0">
-                <a:sym typeface="+mn-ea"/>
-              </a:rPr>
-              <a:t>项目组至今的主要工作内容</a:t>
-            </a:r>
-            <a:endParaRPr lang="zh-CN" altLang="en-US" sz="2000" dirty="0"/>
-          </a:p>
-          <a:p>
-            <a:pPr algn="l">
-              <a:lnSpc>
-                <a:spcPct val="150000"/>
-              </a:lnSpc>
-            </a:pPr>
-            <a:endParaRPr sz="2000" dirty="0">
-              <a:latin typeface="微软雅黑" panose="020B0503020204020204" pitchFamily="34" charset="-122"/>
-              <a:ea typeface="微软雅黑" panose="020B0503020204020204" pitchFamily="34" charset="-122"/>
-              <a:cs typeface="+mn-ea"/>
-              <a:sym typeface="+mn-lt"/>
-            </a:endParaRPr>
-          </a:p>
-        </p:txBody>
-      </p:sp>
-      <p:sp>
-        <p:nvSpPr>
           <p:cNvPr id="7" name="文本框 6"/>
           <p:cNvSpPr txBox="1"/>
           <p:nvPr/>
@@ -25553,14 +25233,20 @@
       </p:sp>
       <p:sp>
         <p:nvSpPr>
-          <p:cNvPr id="9" name="TextBox 8"/>
+          <p:cNvPr id="17" name="文本框 16">
+            <a:extLst>
+              <a:ext uri="{FF2B5EF4-FFF2-40B4-BE49-F238E27FC236}">
+                <a16:creationId xmlns:a16="http://schemas.microsoft.com/office/drawing/2014/main" xmlns="" id="{BC5DAFCF-167F-4FD8-B1C6-48C3CEE6646B}"/>
+              </a:ext>
+            </a:extLst>
+          </p:cNvPr>
           <p:cNvSpPr txBox="1"/>
           <p:nvPr/>
         </p:nvSpPr>
         <p:spPr>
           <a:xfrm>
-            <a:off x="282992" y="1300661"/>
-            <a:ext cx="5184576" cy="415498"/>
+            <a:off x="120923" y="969278"/>
+            <a:ext cx="6107184" cy="338554"/>
           </a:xfrm>
           <a:prstGeom prst="rect">
             <a:avLst/>
@@ -25568,28 +25254,87 @@
           <a:noFill/>
         </p:spPr>
         <p:txBody>
-          <a:bodyPr wrap="square" rtlCol="0">
+          <a:bodyPr wrap="square">
             <a:spAutoFit/>
           </a:bodyPr>
           <a:lstStyle/>
           <a:p>
             <a:r>
-              <a:rPr lang="en-US" altLang="zh-CN" dirty="0"/>
-              <a:t>1.</a:t>
+              <a:rPr lang="en-US" altLang="zh-CN" sz="1600" b="1" dirty="0" smtClean="0">
+                <a:latin typeface="微软雅黑" panose="020B0503020204020204" pitchFamily="34" charset="-122"/>
+                <a:ea typeface="微软雅黑" panose="020B0503020204020204" pitchFamily="34" charset="-122"/>
+              </a:rPr>
+              <a:t>2.</a:t>
             </a:r>
             <a:r>
-              <a:rPr lang="zh-CN" altLang="en-US" dirty="0"/>
-              <a:t>武将角色的动作设计，与特效设计</a:t>
+              <a:rPr lang="zh-CN" altLang="en-US" sz="1600" b="1" dirty="0" smtClean="0">
+                <a:latin typeface="微软雅黑" panose="020B0503020204020204" pitchFamily="34" charset="-122"/>
+                <a:ea typeface="微软雅黑" panose="020B0503020204020204" pitchFamily="34" charset="-122"/>
+              </a:rPr>
+              <a:t>总结音效需求的工作流程</a:t>
             </a:r>
+            <a:endParaRPr lang="en-US" altLang="zh-CN" sz="1600" b="1" dirty="0">
+              <a:latin typeface="微软雅黑" panose="020B0503020204020204" pitchFamily="34" charset="-122"/>
+              <a:ea typeface="微软雅黑" panose="020B0503020204020204" pitchFamily="34" charset="-122"/>
+            </a:endParaRPr>
           </a:p>
         </p:txBody>
       </p:sp>
+      <p:pic>
+        <p:nvPicPr>
+          <p:cNvPr id="1027" name="Picture 3"/>
+          <p:cNvPicPr>
+            <a:picLocks noChangeAspect="1" noChangeArrowheads="1"/>
+          </p:cNvPicPr>
+          <p:nvPr/>
+        </p:nvPicPr>
+        <p:blipFill>
+          <a:blip r:embed="rId2">
+            <a:extLst>
+              <a:ext uri="{28A0092B-C50C-407E-A947-70E740481C1C}">
+                <a14:useLocalDpi xmlns:a14="http://schemas.microsoft.com/office/drawing/2010/main" val="0"/>
+              </a:ext>
+            </a:extLst>
+          </a:blip>
+          <a:srcRect/>
+          <a:stretch>
+            <a:fillRect/>
+          </a:stretch>
+        </p:blipFill>
+        <p:spPr bwMode="auto">
+          <a:xfrm>
+            <a:off x="1417229" y="1334344"/>
+            <a:ext cx="10096776" cy="5023098"/>
+          </a:xfrm>
+          <a:prstGeom prst="rect">
+            <a:avLst/>
+          </a:prstGeom>
+          <a:noFill/>
+          <a:ln>
+            <a:noFill/>
+          </a:ln>
+          <a:extLst>
+            <a:ext uri="{909E8E84-426E-40DD-AFC4-6F175D3DCCD1}">
+              <a14:hiddenFill xmlns:a14="http://schemas.microsoft.com/office/drawing/2010/main">
+                <a:solidFill>
+                  <a:schemeClr val="accent1"/>
+                </a:solidFill>
+              </a14:hiddenFill>
+            </a:ext>
+            <a:ext uri="{91240B29-F687-4F45-9708-019B960494DF}">
+              <a14:hiddenLine xmlns:a14="http://schemas.microsoft.com/office/drawing/2010/main" w="9525">
+                <a:solidFill>
+                  <a:schemeClr val="tx1"/>
+                </a:solidFill>
+                <a:miter lim="800000"/>
+                <a:headEnd/>
+                <a:tailEnd/>
+              </a14:hiddenLine>
+            </a:ext>
+          </a:extLst>
+        </p:spPr>
+      </p:pic>
     </p:spTree>
-    <p:extLst>
-      <p:ext uri="{BB962C8B-B14F-4D97-AF65-F5344CB8AC3E}">
-        <p14:creationId xmlns:p14="http://schemas.microsoft.com/office/powerpoint/2010/main" val="853189259"/>
-      </p:ext>
-    </p:extLst>
   </p:cSld>
   <p:clrMapOvr>
     <a:masterClrMapping/>
@@ -27806,104 +27551,6 @@
       </p:sp>
       <p:sp>
         <p:nvSpPr>
-          <p:cNvPr id="16" name="Rectangle 26"/>
-          <p:cNvSpPr>
-            <a:spLocks noChangeArrowheads="1"/>
-          </p:cNvSpPr>
-          <p:nvPr/>
-        </p:nvSpPr>
-        <p:spPr bwMode="auto">
-          <a:xfrm>
-            <a:off x="419666" y="847203"/>
-            <a:ext cx="7335520" cy="868956"/>
-          </a:xfrm>
-          <a:prstGeom prst="rect">
-            <a:avLst/>
-          </a:prstGeom>
-          <a:noFill/>
-          <a:ln>
-            <a:noFill/>
-          </a:ln>
-          <a:extLst>
-            <a:ext uri="{909E8E84-426E-40DD-AFC4-6F175D3DCCD1}">
-              <a14:hiddenFill xmlns:a14="http://schemas.microsoft.com/office/drawing/2010/main">
-                <a:solidFill>
-                  <a:srgbClr val="FFFFFF"/>
-                </a:solidFill>
-              </a14:hiddenFill>
-            </a:ext>
-            <a:ext uri="{91240B29-F687-4F45-9708-019B960494DF}">
-              <a14:hiddenLine xmlns:a14="http://schemas.microsoft.com/office/drawing/2010/main" w="9525">
-                <a:solidFill>
-                  <a:srgbClr val="000000"/>
-                </a:solidFill>
-                <a:miter lim="800000"/>
-                <a:headEnd/>
-                <a:tailEnd/>
-              </a14:hiddenLine>
-            </a:ext>
-          </a:extLst>
-        </p:spPr>
-        <p:txBody>
-          <a:bodyPr wrap="square" lIns="0" tIns="0" rIns="0" bIns="0">
-            <a:spAutoFit/>
-          </a:bodyPr>
-          <a:lstStyle/>
-          <a:p>
-            <a:pPr algn="l">
-              <a:lnSpc>
-                <a:spcPct val="150000"/>
-              </a:lnSpc>
-            </a:pPr>
-            <a:r>
-              <a:rPr lang="zh-CN" altLang="en-US" sz="2000" dirty="0">
-                <a:sym typeface="+mn-ea"/>
-              </a:rPr>
-              <a:t>加入</a:t>
-            </a:r>
-            <a:r>
-              <a:rPr lang="en-US" altLang="zh-CN" sz="2000" dirty="0">
-                <a:sym typeface="+mn-ea"/>
-              </a:rPr>
-              <a:t>《</a:t>
-            </a:r>
-            <a:r>
-              <a:rPr lang="zh-CN" altLang="en-US" sz="2000" dirty="0">
-                <a:sym typeface="+mn-ea"/>
-              </a:rPr>
-              <a:t>大主宰</a:t>
-            </a:r>
-            <a:r>
-              <a:rPr lang="en-US" altLang="zh-CN" sz="2000" dirty="0">
-                <a:sym typeface="+mn-ea"/>
-              </a:rPr>
-              <a:t>》</a:t>
-            </a:r>
-            <a:r>
-              <a:rPr lang="zh-CN" altLang="en-US" sz="2000" dirty="0">
-                <a:sym typeface="+mn-ea"/>
-              </a:rPr>
-              <a:t>项目组至今的主要工作内容</a:t>
-            </a:r>
-            <a:endParaRPr lang="zh-CN" altLang="en-US" sz="2000" dirty="0"/>
-          </a:p>
-          <a:p>
-            <a:pPr algn="l">
-              <a:lnSpc>
-                <a:spcPct val="150000"/>
-              </a:lnSpc>
-            </a:pPr>
-            <a:endParaRPr sz="2000" dirty="0">
-              <a:latin typeface="微软雅黑" panose="020B0503020204020204" pitchFamily="34" charset="-122"/>
-              <a:ea typeface="微软雅黑" panose="020B0503020204020204" pitchFamily="34" charset="-122"/>
-              <a:cs typeface="+mn-ea"/>
-              <a:sym typeface="+mn-lt"/>
-            </a:endParaRPr>
-          </a:p>
-        </p:txBody>
-      </p:sp>
-      <p:sp>
-        <p:nvSpPr>
           <p:cNvPr id="7" name="文本框 6"/>
           <p:cNvSpPr txBox="1"/>
           <p:nvPr/>
@@ -27973,14 +27620,20 @@
       </p:sp>
       <p:sp>
         <p:nvSpPr>
-          <p:cNvPr id="9" name="TextBox 8"/>
+          <p:cNvPr id="11" name="文本框 16">
+            <a:extLst>
+              <a:ext uri="{FF2B5EF4-FFF2-40B4-BE49-F238E27FC236}">
+                <a16:creationId xmlns:a16="http://schemas.microsoft.com/office/drawing/2014/main" xmlns="" id="{BC5DAFCF-167F-4FD8-B1C6-48C3CEE6646B}"/>
+              </a:ext>
+            </a:extLst>
+          </p:cNvPr>
           <p:cNvSpPr txBox="1"/>
           <p:nvPr/>
         </p:nvSpPr>
         <p:spPr>
           <a:xfrm>
-            <a:off x="282992" y="1300661"/>
-            <a:ext cx="5184576" cy="415498"/>
+            <a:off x="120923" y="969278"/>
+            <a:ext cx="6107184" cy="338554"/>
           </a:xfrm>
           <a:prstGeom prst="rect">
             <a:avLst/>
@@ -27988,26 +27641,127 @@
           <a:noFill/>
         </p:spPr>
         <p:txBody>
-          <a:bodyPr wrap="square" rtlCol="0">
+          <a:bodyPr wrap="square">
             <a:spAutoFit/>
           </a:bodyPr>
           <a:lstStyle/>
           <a:p>
             <a:r>
-              <a:rPr lang="en-US" altLang="zh-CN" dirty="0"/>
-              <a:t>1.</a:t>
+              <a:rPr lang="en-US" altLang="zh-CN" sz="1600" b="1" dirty="0" smtClean="0">
+                <a:latin typeface="微软雅黑" panose="020B0503020204020204" pitchFamily="34" charset="-122"/>
+                <a:ea typeface="微软雅黑" panose="020B0503020204020204" pitchFamily="34" charset="-122"/>
+              </a:rPr>
+              <a:t>3.</a:t>
             </a:r>
             <a:r>
-              <a:rPr lang="zh-CN" altLang="en-US" dirty="0"/>
-              <a:t>武将角色的动作设计，与特效设计</a:t>
+              <a:rPr lang="zh-CN" altLang="en-US" sz="1600" b="1" dirty="0">
+                <a:latin typeface="微软雅黑" panose="020B0503020204020204" pitchFamily="34" charset="-122"/>
+                <a:ea typeface="微软雅黑" panose="020B0503020204020204" pitchFamily="34" charset="-122"/>
+              </a:rPr>
+              <a:t>设</a:t>
             </a:r>
+            <a:r>
+              <a:rPr lang="zh-CN" altLang="en-US" sz="1600" b="1" dirty="0" smtClean="0">
+                <a:latin typeface="微软雅黑" panose="020B0503020204020204" pitchFamily="34" charset="-122"/>
+                <a:ea typeface="微软雅黑" panose="020B0503020204020204" pitchFamily="34" charset="-122"/>
+              </a:rPr>
+              <a:t>计并落地小游戏人物动作需求</a:t>
+            </a:r>
+            <a:endParaRPr lang="en-US" altLang="zh-CN" sz="1600" b="1" dirty="0">
+              <a:latin typeface="微软雅黑" panose="020B0503020204020204" pitchFamily="34" charset="-122"/>
+              <a:ea typeface="微软雅黑" panose="020B0503020204020204" pitchFamily="34" charset="-122"/>
+            </a:endParaRPr>
           </a:p>
         </p:txBody>
       </p:sp>
+      <p:pic>
+        <p:nvPicPr>
+          <p:cNvPr id="2051" name="Picture 3"/>
+          <p:cNvPicPr>
+            <a:picLocks noChangeAspect="1" noChangeArrowheads="1"/>
+          </p:cNvPicPr>
+          <p:nvPr/>
+        </p:nvPicPr>
+        <p:blipFill>
+          <a:blip r:embed="rId2">
+            <a:extLst>
+              <a:ext uri="{28A0092B-C50C-407E-A947-70E740481C1C}">
+                <a14:useLocalDpi xmlns:a14="http://schemas.microsoft.com/office/drawing/2010/main" val="0"/>
+              </a:ext>
+            </a:extLst>
+          </a:blip>
+          <a:srcRect/>
+          <a:stretch>
+            <a:fillRect/>
+          </a:stretch>
+        </p:blipFill>
+        <p:spPr bwMode="auto">
+          <a:xfrm>
+            <a:off x="4763" y="1266478"/>
+            <a:ext cx="12190412" cy="5257800"/>
+          </a:xfrm>
+          <a:prstGeom prst="rect">
+            <a:avLst/>
+          </a:prstGeom>
+          <a:noFill/>
+          <a:ln>
+            <a:noFill/>
+          </a:ln>
+          <a:extLst>
+            <a:ext uri="{909E8E84-426E-40DD-AFC4-6F175D3DCCD1}">
+              <a14:hiddenFill xmlns:a14="http://schemas.microsoft.com/office/drawing/2010/main">
+                <a:solidFill>
+                  <a:schemeClr val="accent1"/>
+                </a:solidFill>
+              </a14:hiddenFill>
+            </a:ext>
+            <a:ext uri="{91240B29-F687-4F45-9708-019B960494DF}">
+              <a14:hiddenLine xmlns:a14="http://schemas.microsoft.com/office/drawing/2010/main" w="9525">
+                <a:solidFill>
+                  <a:schemeClr val="tx1"/>
+                </a:solidFill>
+                <a:miter lim="800000"/>
+                <a:headEnd/>
+                <a:tailEnd/>
+              </a14:hiddenLine>
+            </a:ext>
+          </a:extLst>
+        </p:spPr>
+      </p:pic>
+      <p:pic>
+        <p:nvPicPr>
+          <p:cNvPr id="12" name="图片 11"/>
+          <p:cNvPicPr>
+            <a:picLocks noChangeAspect="1"/>
+          </p:cNvPicPr>
+          <p:nvPr/>
+        </p:nvPicPr>
+        <p:blipFill>
+          <a:blip r:embed="rId3" cstate="print">
+            <a:extLst>
+              <a:ext uri="{28A0092B-C50C-407E-A947-70E740481C1C}">
+                <a14:useLocalDpi xmlns:a14="http://schemas.microsoft.com/office/drawing/2010/main" val="0"/>
+              </a:ext>
+            </a:extLst>
+          </a:blip>
+          <a:stretch>
+            <a:fillRect/>
+          </a:stretch>
+        </p:blipFill>
+        <p:spPr>
+          <a:xfrm>
+            <a:off x="6571643" y="5229995"/>
+            <a:ext cx="5623532" cy="1629594"/>
+          </a:xfrm>
+          <a:prstGeom prst="rect">
+            <a:avLst/>
+          </a:prstGeom>
+        </p:spPr>
+      </p:pic>
     </p:spTree>
     <p:extLst>
       <p:ext uri="{BB962C8B-B14F-4D97-AF65-F5344CB8AC3E}">
-        <p14:creationId xmlns:p14="http://schemas.microsoft.com/office/powerpoint/2010/main" val="3244346243"/>
+        <p14:creationId xmlns:p14="http://schemas.microsoft.com/office/powerpoint/2010/main" val="853189259"/>
       </p:ext>
     </p:extLst>
   </p:cSld>
@@ -28295,104 +28049,6 @@
       </p:sp>
       <p:sp>
         <p:nvSpPr>
-          <p:cNvPr id="16" name="Rectangle 26"/>
-          <p:cNvSpPr>
-            <a:spLocks noChangeArrowheads="1"/>
-          </p:cNvSpPr>
-          <p:nvPr/>
-        </p:nvSpPr>
-        <p:spPr bwMode="auto">
-          <a:xfrm>
-            <a:off x="419666" y="847203"/>
-            <a:ext cx="7335520" cy="868956"/>
-          </a:xfrm>
-          <a:prstGeom prst="rect">
-            <a:avLst/>
-          </a:prstGeom>
-          <a:noFill/>
-          <a:ln>
-            <a:noFill/>
-          </a:ln>
-          <a:extLst>
-            <a:ext uri="{909E8E84-426E-40DD-AFC4-6F175D3DCCD1}">
-              <a14:hiddenFill xmlns:a14="http://schemas.microsoft.com/office/drawing/2010/main">
-                <a:solidFill>
-                  <a:srgbClr val="FFFFFF"/>
-                </a:solidFill>
-              </a14:hiddenFill>
-            </a:ext>
-            <a:ext uri="{91240B29-F687-4F45-9708-019B960494DF}">
-              <a14:hiddenLine xmlns:a14="http://schemas.microsoft.com/office/drawing/2010/main" w="9525">
-                <a:solidFill>
-                  <a:srgbClr val="000000"/>
-                </a:solidFill>
-                <a:miter lim="800000"/>
-                <a:headEnd/>
-                <a:tailEnd/>
-              </a14:hiddenLine>
-            </a:ext>
-          </a:extLst>
-        </p:spPr>
-        <p:txBody>
-          <a:bodyPr wrap="square" lIns="0" tIns="0" rIns="0" bIns="0">
-            <a:spAutoFit/>
-          </a:bodyPr>
-          <a:lstStyle/>
-          <a:p>
-            <a:pPr algn="l">
-              <a:lnSpc>
-                <a:spcPct val="150000"/>
-              </a:lnSpc>
-            </a:pPr>
-            <a:r>
-              <a:rPr lang="zh-CN" altLang="en-US" sz="2000" dirty="0">
-                <a:sym typeface="+mn-ea"/>
-              </a:rPr>
-              <a:t>加入</a:t>
-            </a:r>
-            <a:r>
-              <a:rPr lang="en-US" altLang="zh-CN" sz="2000" dirty="0">
-                <a:sym typeface="+mn-ea"/>
-              </a:rPr>
-              <a:t>《</a:t>
-            </a:r>
-            <a:r>
-              <a:rPr lang="zh-CN" altLang="en-US" sz="2000" dirty="0">
-                <a:sym typeface="+mn-ea"/>
-              </a:rPr>
-              <a:t>大主宰</a:t>
-            </a:r>
-            <a:r>
-              <a:rPr lang="en-US" altLang="zh-CN" sz="2000" dirty="0">
-                <a:sym typeface="+mn-ea"/>
-              </a:rPr>
-              <a:t>》</a:t>
-            </a:r>
-            <a:r>
-              <a:rPr lang="zh-CN" altLang="en-US" sz="2000" dirty="0">
-                <a:sym typeface="+mn-ea"/>
-              </a:rPr>
-              <a:t>项目组至今的主要工作内容</a:t>
-            </a:r>
-            <a:endParaRPr lang="zh-CN" altLang="en-US" sz="2000" dirty="0"/>
-          </a:p>
-          <a:p>
-            <a:pPr algn="l">
-              <a:lnSpc>
-                <a:spcPct val="150000"/>
-              </a:lnSpc>
-            </a:pPr>
-            <a:endParaRPr sz="2000" dirty="0">
-              <a:latin typeface="微软雅黑" panose="020B0503020204020204" pitchFamily="34" charset="-122"/>
-              <a:ea typeface="微软雅黑" panose="020B0503020204020204" pitchFamily="34" charset="-122"/>
-              <a:cs typeface="+mn-ea"/>
-              <a:sym typeface="+mn-lt"/>
-            </a:endParaRPr>
-          </a:p>
-        </p:txBody>
-      </p:sp>
-      <p:sp>
-        <p:nvSpPr>
           <p:cNvPr id="7" name="文本框 6"/>
           <p:cNvSpPr txBox="1"/>
           <p:nvPr/>
@@ -28462,14 +28118,440 @@
       </p:sp>
       <p:sp>
         <p:nvSpPr>
-          <p:cNvPr id="9" name="TextBox 8"/>
+          <p:cNvPr id="8" name="文本框 16">
+            <a:extLst>
+              <a:ext uri="{FF2B5EF4-FFF2-40B4-BE49-F238E27FC236}">
+                <a16:creationId xmlns:a16="http://schemas.microsoft.com/office/drawing/2014/main" xmlns="" id="{BC5DAFCF-167F-4FD8-B1C6-48C3CEE6646B}"/>
+              </a:ext>
+            </a:extLst>
+          </p:cNvPr>
           <p:cNvSpPr txBox="1"/>
           <p:nvPr/>
         </p:nvSpPr>
         <p:spPr>
           <a:xfrm>
-            <a:off x="282992" y="1300661"/>
-            <a:ext cx="5184576" cy="415498"/>
+            <a:off x="120923" y="969278"/>
+            <a:ext cx="6107184" cy="338554"/>
+          </a:xfrm>
+          <a:prstGeom prst="rect">
+            <a:avLst/>
+          </a:prstGeom>
+          <a:noFill/>
+        </p:spPr>
+        <p:txBody>
+          <a:bodyPr wrap="square">
+            <a:spAutoFit/>
+          </a:bodyPr>
+          <a:lstStyle/>
+          <a:p>
+            <a:r>
+              <a:rPr lang="en-US" altLang="zh-CN" sz="1600" b="1" dirty="0" smtClean="0">
+                <a:latin typeface="微软雅黑" panose="020B0503020204020204" pitchFamily="34" charset="-122"/>
+                <a:ea typeface="微软雅黑" panose="020B0503020204020204" pitchFamily="34" charset="-122"/>
+              </a:rPr>
+              <a:t>4.</a:t>
+            </a:r>
+            <a:r>
+              <a:rPr lang="zh-CN" altLang="en-US" sz="1600" b="1" dirty="0" smtClean="0">
+                <a:latin typeface="微软雅黑" panose="020B0503020204020204" pitchFamily="34" charset="-122"/>
+                <a:ea typeface="微软雅黑" panose="020B0503020204020204" pitchFamily="34" charset="-122"/>
+              </a:rPr>
+              <a:t>设计并落地点击动效</a:t>
+            </a:r>
+            <a:endParaRPr lang="en-US" altLang="zh-CN" sz="1600" b="1" dirty="0">
+              <a:latin typeface="微软雅黑" panose="020B0503020204020204" pitchFamily="34" charset="-122"/>
+              <a:ea typeface="微软雅黑" panose="020B0503020204020204" pitchFamily="34" charset="-122"/>
+            </a:endParaRPr>
+          </a:p>
+        </p:txBody>
+      </p:sp>
+      <p:pic>
+        <p:nvPicPr>
+          <p:cNvPr id="3075" name="Picture 3"/>
+          <p:cNvPicPr>
+            <a:picLocks noChangeAspect="1" noChangeArrowheads="1"/>
+          </p:cNvPicPr>
+          <p:nvPr/>
+        </p:nvPicPr>
+        <p:blipFill>
+          <a:blip r:embed="rId2">
+            <a:extLst>
+              <a:ext uri="{28A0092B-C50C-407E-A947-70E740481C1C}">
+                <a14:useLocalDpi xmlns:a14="http://schemas.microsoft.com/office/drawing/2010/main" val="0"/>
+              </a:ext>
+            </a:extLst>
+          </a:blip>
+          <a:srcRect/>
+          <a:stretch>
+            <a:fillRect/>
+          </a:stretch>
+        </p:blipFill>
+        <p:spPr bwMode="auto">
+          <a:xfrm>
+            <a:off x="-2" y="1343962"/>
+            <a:ext cx="12195175" cy="5268834"/>
+          </a:xfrm>
+          <a:prstGeom prst="rect">
+            <a:avLst/>
+          </a:prstGeom>
+          <a:noFill/>
+          <a:ln>
+            <a:noFill/>
+          </a:ln>
+          <a:extLst>
+            <a:ext uri="{909E8E84-426E-40DD-AFC4-6F175D3DCCD1}">
+              <a14:hiddenFill xmlns:a14="http://schemas.microsoft.com/office/drawing/2010/main">
+                <a:solidFill>
+                  <a:schemeClr val="accent1"/>
+                </a:solidFill>
+              </a14:hiddenFill>
+            </a:ext>
+            <a:ext uri="{91240B29-F687-4F45-9708-019B960494DF}">
+              <a14:hiddenLine xmlns:a14="http://schemas.microsoft.com/office/drawing/2010/main" w="9525">
+                <a:solidFill>
+                  <a:schemeClr val="tx1"/>
+                </a:solidFill>
+                <a:miter lim="800000"/>
+                <a:headEnd/>
+                <a:tailEnd/>
+              </a14:hiddenLine>
+            </a:ext>
+          </a:extLst>
+        </p:spPr>
+      </p:pic>
+    </p:spTree>
+    <p:extLst>
+      <p:ext uri="{BB962C8B-B14F-4D97-AF65-F5344CB8AC3E}">
+        <p14:creationId xmlns:p14="http://schemas.microsoft.com/office/powerpoint/2010/main" val="3244346243"/>
+      </p:ext>
+    </p:extLst>
+  </p:cSld>
+  <p:clrMapOvr>
+    <a:masterClrMapping/>
+  </p:clrMapOvr>
+  <p:timing>
+    <p:tnLst>
+      <p:par>
+        <p:cTn id="1" dur="indefinite" restart="never" nodeType="tmRoot">
+          <p:childTnLst>
+            <p:seq concurrent="1" nextAc="seek">
+              <p:cTn id="2" dur="indefinite" nodeType="mainSeq">
+                <p:childTnLst>
+                  <p:par>
+                    <p:cTn id="3" fill="hold">
+                      <p:stCondLst>
+                        <p:cond delay="indefinite"/>
+                      </p:stCondLst>
+                      <p:childTnLst>
+                        <p:par>
+                          <p:cTn id="4" fill="hold">
+                            <p:stCondLst>
+                              <p:cond delay="0"/>
+                            </p:stCondLst>
+                            <p:childTnLst>
+                              <p:par>
+                                <p:cTn id="5" presetID="14" presetClass="entr" presetSubtype="10" fill="hold" grpId="0" nodeType="clickEffect">
+                                  <p:stCondLst>
+                                    <p:cond delay="0"/>
+                                  </p:stCondLst>
+                                  <p:childTnLst>
+                                    <p:set>
+                                      <p:cBhvr>
+                                        <p:cTn id="6" dur="1" fill="hold">
+                                          <p:stCondLst>
+                                            <p:cond delay="0"/>
+                                          </p:stCondLst>
+                                        </p:cTn>
+                                        <p:tgtEl>
+                                          <p:spTgt spid="7"/>
+                                        </p:tgtEl>
+                                        <p:attrNameLst>
+                                          <p:attrName>style.visibility</p:attrName>
+                                        </p:attrNameLst>
+                                      </p:cBhvr>
+                                      <p:to>
+                                        <p:strVal val="visible"/>
+                                      </p:to>
+                                    </p:set>
+                                    <p:animEffect transition="in" filter="randombar(horizontal)">
+                                      <p:cBhvr>
+                                        <p:cTn id="7" dur="500"/>
+                                        <p:tgtEl>
+                                          <p:spTgt spid="7"/>
+                                        </p:tgtEl>
+                                      </p:cBhvr>
+                                    </p:animEffect>
+                                  </p:childTnLst>
+                                </p:cTn>
+                              </p:par>
+                              <p:par>
+                                <p:cTn id="8" presetID="14" presetClass="entr" presetSubtype="10" fill="hold" grpId="0" nodeType="withEffect">
+                                  <p:stCondLst>
+                                    <p:cond delay="0"/>
+                                  </p:stCondLst>
+                                  <p:childTnLst>
+                                    <p:set>
+                                      <p:cBhvr>
+                                        <p:cTn id="9" dur="1" fill="hold">
+                                          <p:stCondLst>
+                                            <p:cond delay="0"/>
+                                          </p:stCondLst>
+                                        </p:cTn>
+                                        <p:tgtEl>
+                                          <p:spTgt spid="10"/>
+                                        </p:tgtEl>
+                                        <p:attrNameLst>
+                                          <p:attrName>style.visibility</p:attrName>
+                                        </p:attrNameLst>
+                                      </p:cBhvr>
+                                      <p:to>
+                                        <p:strVal val="visible"/>
+                                      </p:to>
+                                    </p:set>
+                                    <p:animEffect transition="in" filter="randombar(horizontal)">
+                                      <p:cBhvr>
+                                        <p:cTn id="10" dur="500"/>
+                                        <p:tgtEl>
+                                          <p:spTgt spid="10"/>
+                                        </p:tgtEl>
+                                      </p:cBhvr>
+                                    </p:animEffect>
+                                  </p:childTnLst>
+                                </p:cTn>
+                              </p:par>
+                            </p:childTnLst>
+                          </p:cTn>
+                        </p:par>
+                      </p:childTnLst>
+                    </p:cTn>
+                  </p:par>
+                </p:childTnLst>
+              </p:cTn>
+              <p:prevCondLst>
+                <p:cond evt="onPrev" delay="0">
+                  <p:tgtEl>
+                    <p:sldTgt/>
+                  </p:tgtEl>
+                </p:cond>
+              </p:prevCondLst>
+              <p:nextCondLst>
+                <p:cond evt="onNext" delay="0">
+                  <p:tgtEl>
+                    <p:sldTgt/>
+                  </p:tgtEl>
+                </p:cond>
+              </p:nextCondLst>
+            </p:seq>
+          </p:childTnLst>
+        </p:cTn>
+      </p:par>
+    </p:tnLst>
+    <p:bldLst>
+      <p:bldP spid="7" grpId="0"/>
+      <p:bldP spid="10" grpId="0"/>
+    </p:bldLst>
+  </p:timing>
+</p:sld>
+</file>
+
+<file path=ppt/slides/slide22.xml><?xml version="1.0" encoding="utf-8"?>
+<p:sld xmlns:a="http://schemas.openxmlformats.org/drawingml/2006/main" xmlns:r="http://schemas.openxmlformats.org/officeDocument/2006/relationships" xmlns:p="http://schemas.openxmlformats.org/presentationml/2006/main">
+  <p:cSld>
+    <p:spTree>
+      <p:nvGrpSpPr>
+        <p:cNvPr id="1" name=""/>
+        <p:cNvGrpSpPr/>
+        <p:nvPr/>
+      </p:nvGrpSpPr>
+      <p:grpSpPr>
+        <a:xfrm>
+          <a:off x="0" y="0"/>
+          <a:ext cx="0" cy="0"/>
+          <a:chOff x="0" y="0"/>
+          <a:chExt cx="0" cy="0"/>
+        </a:xfrm>
+      </p:grpSpPr>
+      <p:sp>
+        <p:nvSpPr>
+          <p:cNvPr id="3" name="灯片编号占位符 1"/>
+          <p:cNvSpPr>
+            <a:spLocks noGrp="1"/>
+          </p:cNvSpPr>
+          <p:nvPr/>
+        </p:nvSpPr>
+        <p:spPr>
+          <a:xfrm>
+            <a:off x="11781790" y="6494145"/>
+            <a:ext cx="413385" cy="227330"/>
+          </a:xfrm>
+        </p:spPr>
+        <p:txBody>
+          <a:bodyPr/>
+          <a:lstStyle>
+            <a:defPPr>
+              <a:defRPr lang="zh-CN"/>
+            </a:defPPr>
+            <a:lvl1pPr marL="0" algn="l" defTabSz="1066165" rtl="0" eaLnBrk="1" latinLnBrk="0" hangingPunct="1">
+              <a:defRPr sz="2100" kern="1200">
+                <a:solidFill>
+                  <a:schemeClr val="tx1"/>
+                </a:solidFill>
+                <a:latin typeface="+mn-lt"/>
+                <a:ea typeface="+mn-ea"/>
+                <a:cs typeface="+mn-cs"/>
+              </a:defRPr>
+            </a:lvl1pPr>
+            <a:lvl2pPr marL="533400" algn="l" defTabSz="1066165" rtl="0" eaLnBrk="1" latinLnBrk="0" hangingPunct="1">
+              <a:defRPr sz="2100" kern="1200">
+                <a:solidFill>
+                  <a:schemeClr val="tx1"/>
+                </a:solidFill>
+                <a:latin typeface="+mn-lt"/>
+                <a:ea typeface="+mn-ea"/>
+                <a:cs typeface="+mn-cs"/>
+              </a:defRPr>
+            </a:lvl2pPr>
+            <a:lvl3pPr marL="1066165" algn="l" defTabSz="1066165" rtl="0" eaLnBrk="1" latinLnBrk="0" hangingPunct="1">
+              <a:defRPr sz="2100" kern="1200">
+                <a:solidFill>
+                  <a:schemeClr val="tx1"/>
+                </a:solidFill>
+                <a:latin typeface="+mn-lt"/>
+                <a:ea typeface="+mn-ea"/>
+                <a:cs typeface="+mn-cs"/>
+              </a:defRPr>
+            </a:lvl3pPr>
+            <a:lvl4pPr marL="1599565" algn="l" defTabSz="1066165" rtl="0" eaLnBrk="1" latinLnBrk="0" hangingPunct="1">
+              <a:defRPr sz="2100" kern="1200">
+                <a:solidFill>
+                  <a:schemeClr val="tx1"/>
+                </a:solidFill>
+                <a:latin typeface="+mn-lt"/>
+                <a:ea typeface="+mn-ea"/>
+                <a:cs typeface="+mn-cs"/>
+              </a:defRPr>
+            </a:lvl4pPr>
+            <a:lvl5pPr marL="2132965" algn="l" defTabSz="1066165" rtl="0" eaLnBrk="1" latinLnBrk="0" hangingPunct="1">
+              <a:defRPr sz="2100" kern="1200">
+                <a:solidFill>
+                  <a:schemeClr val="tx1"/>
+                </a:solidFill>
+                <a:latin typeface="+mn-lt"/>
+                <a:ea typeface="+mn-ea"/>
+                <a:cs typeface="+mn-cs"/>
+              </a:defRPr>
+            </a:lvl5pPr>
+            <a:lvl6pPr marL="2665730" algn="l" defTabSz="1066165" rtl="0" eaLnBrk="1" latinLnBrk="0" hangingPunct="1">
+              <a:defRPr sz="2100" kern="1200">
+                <a:solidFill>
+                  <a:schemeClr val="tx1"/>
+                </a:solidFill>
+                <a:latin typeface="+mn-lt"/>
+                <a:ea typeface="+mn-ea"/>
+                <a:cs typeface="+mn-cs"/>
+              </a:defRPr>
+            </a:lvl6pPr>
+            <a:lvl7pPr marL="3199130" algn="l" defTabSz="1066165" rtl="0" eaLnBrk="1" latinLnBrk="0" hangingPunct="1">
+              <a:defRPr sz="2100" kern="1200">
+                <a:solidFill>
+                  <a:schemeClr val="tx1"/>
+                </a:solidFill>
+                <a:latin typeface="+mn-lt"/>
+                <a:ea typeface="+mn-ea"/>
+                <a:cs typeface="+mn-cs"/>
+              </a:defRPr>
+            </a:lvl7pPr>
+            <a:lvl8pPr marL="3732530" algn="l" defTabSz="1066165" rtl="0" eaLnBrk="1" latinLnBrk="0" hangingPunct="1">
+              <a:defRPr sz="2100" kern="1200">
+                <a:solidFill>
+                  <a:schemeClr val="tx1"/>
+                </a:solidFill>
+                <a:latin typeface="+mn-lt"/>
+                <a:ea typeface="+mn-ea"/>
+                <a:cs typeface="+mn-cs"/>
+              </a:defRPr>
+            </a:lvl8pPr>
+            <a:lvl9pPr marL="4265295" algn="l" defTabSz="1066165" rtl="0" eaLnBrk="1" latinLnBrk="0" hangingPunct="1">
+              <a:defRPr sz="2100" kern="1200">
+                <a:solidFill>
+                  <a:schemeClr val="tx1"/>
+                </a:solidFill>
+                <a:latin typeface="+mn-lt"/>
+                <a:ea typeface="+mn-ea"/>
+                <a:cs typeface="+mn-cs"/>
+              </a:defRPr>
+            </a:lvl9pPr>
+          </a:lstStyle>
+          <a:p>
+            <a:pPr algn="ctr"/>
+            <a:fld id="{7D9BB5D0-35E4-459D-AEF3-FE4D7C45CC19}" type="slidenum">
+              <a:rPr lang="zh-CN" altLang="en-US" sz="900" b="1" smtClean="0">
+                <a:solidFill>
+                  <a:schemeClr val="bg1">
+                    <a:lumMod val="95000"/>
+                  </a:schemeClr>
+                </a:solidFill>
+                <a:latin typeface="Calibri" panose="020F0502020204030204" charset="0"/>
+                <a:cs typeface="Calibri" panose="020F0502020204030204" charset="0"/>
+              </a:rPr>
+              <a:t>22</a:t>
+            </a:fld>
+            <a:endParaRPr lang="zh-CN" altLang="en-US" sz="900" b="1">
+              <a:solidFill>
+                <a:schemeClr val="bg1">
+                  <a:lumMod val="95000"/>
+                </a:schemeClr>
+              </a:solidFill>
+              <a:latin typeface="Calibri" panose="020F0502020204030204" charset="0"/>
+              <a:cs typeface="Calibri" panose="020F0502020204030204" charset="0"/>
+            </a:endParaRPr>
+          </a:p>
+        </p:txBody>
+      </p:sp>
+      <p:sp>
+        <p:nvSpPr>
+          <p:cNvPr id="7" name="文本框 6"/>
+          <p:cNvSpPr txBox="1"/>
+          <p:nvPr/>
+        </p:nvSpPr>
+        <p:spPr>
+          <a:xfrm>
+            <a:off x="2875280" y="554990"/>
+            <a:ext cx="2348230" cy="275590"/>
+          </a:xfrm>
+          <a:prstGeom prst="rect">
+            <a:avLst/>
+          </a:prstGeom>
+          <a:noFill/>
+        </p:spPr>
+        <p:txBody>
+          <a:bodyPr wrap="square" rtlCol="0">
+            <a:spAutoFit/>
+          </a:bodyPr>
+          <a:lstStyle/>
+          <a:p>
+            <a:pPr algn="l"/>
+            <a:endParaRPr lang="en-US" altLang="zh-CN" sz="1200" dirty="0">
+              <a:solidFill>
+                <a:srgbClr val="0EA978"/>
+              </a:solidFill>
+              <a:latin typeface="Arial Black" panose="020B0A04020102020204" charset="0"/>
+              <a:ea typeface="字魂143号-正酷超级黑" panose="00000500000000000000" pitchFamily="2" charset="-122"/>
+              <a:cs typeface="Arial Black" panose="020B0A04020102020204" charset="0"/>
+            </a:endParaRPr>
+          </a:p>
+        </p:txBody>
+      </p:sp>
+      <p:sp>
+        <p:nvSpPr>
+          <p:cNvPr id="10" name="文本框 9"/>
+          <p:cNvSpPr txBox="1"/>
+          <p:nvPr/>
+        </p:nvSpPr>
+        <p:spPr>
+          <a:xfrm>
+            <a:off x="299060" y="290888"/>
+            <a:ext cx="2715285" cy="583565"/>
           </a:xfrm>
           <a:prstGeom prst="rect">
             <a:avLst/>
@@ -28483,13 +28565,417 @@
           <a:lstStyle/>
           <a:p>
             <a:r>
-              <a:rPr lang="en-US" altLang="zh-CN" dirty="0"/>
-              <a:t>1.</a:t>
+              <a:rPr lang="zh-CN" altLang="en-US" sz="3200" b="1" dirty="0">
+                <a:solidFill>
+                  <a:srgbClr val="0EA978"/>
+                </a:solidFill>
+                <a:latin typeface="微软雅黑" panose="020B0503020204020204" pitchFamily="34" charset="-122"/>
+                <a:ea typeface="微软雅黑" panose="020B0503020204020204" pitchFamily="34" charset="-122"/>
+              </a:rPr>
+              <a:t>工作体会</a:t>
+            </a:r>
+          </a:p>
+        </p:txBody>
+      </p:sp>
+      <p:sp>
+        <p:nvSpPr>
+          <p:cNvPr id="8" name="文本框 16">
+            <a:extLst>
+              <a:ext uri="{FF2B5EF4-FFF2-40B4-BE49-F238E27FC236}">
+                <a16:creationId xmlns:a16="http://schemas.microsoft.com/office/drawing/2014/main" xmlns="" id="{BC5DAFCF-167F-4FD8-B1C6-48C3CEE6646B}"/>
+              </a:ext>
+            </a:extLst>
+          </p:cNvPr>
+          <p:cNvSpPr txBox="1"/>
+          <p:nvPr/>
+        </p:nvSpPr>
+        <p:spPr>
+          <a:xfrm>
+            <a:off x="120923" y="969278"/>
+            <a:ext cx="6107184" cy="338554"/>
+          </a:xfrm>
+          <a:prstGeom prst="rect">
+            <a:avLst/>
+          </a:prstGeom>
+          <a:noFill/>
+        </p:spPr>
+        <p:txBody>
+          <a:bodyPr wrap="square">
+            <a:spAutoFit/>
+          </a:bodyPr>
+          <a:lstStyle/>
+          <a:p>
+            <a:r>
+              <a:rPr lang="en-US" altLang="zh-CN" sz="1600" b="1" dirty="0" smtClean="0">
+                <a:latin typeface="微软雅黑" panose="020B0503020204020204" pitchFamily="34" charset="-122"/>
+                <a:ea typeface="微软雅黑" panose="020B0503020204020204" pitchFamily="34" charset="-122"/>
+              </a:rPr>
+              <a:t>5.</a:t>
             </a:r>
             <a:r>
-              <a:rPr lang="zh-CN" altLang="en-US" dirty="0"/>
-              <a:t>武将角色的动作设计，与特效设计</a:t>
+              <a:rPr lang="zh-CN" altLang="en-US" sz="1600" b="1" dirty="0">
+                <a:latin typeface="微软雅黑" panose="020B0503020204020204" pitchFamily="34" charset="-122"/>
+                <a:ea typeface="微软雅黑" panose="020B0503020204020204" pitchFamily="34" charset="-122"/>
+              </a:rPr>
+              <a:t>完</a:t>
             </a:r>
+            <a:r>
+              <a:rPr lang="zh-CN" altLang="en-US" sz="1600" b="1" dirty="0" smtClean="0">
+                <a:latin typeface="微软雅黑" panose="020B0503020204020204" pitchFamily="34" charset="-122"/>
+                <a:ea typeface="微软雅黑" panose="020B0503020204020204" pitchFamily="34" charset="-122"/>
+              </a:rPr>
+              <a:t>成各个武将的动作与技能特效需求</a:t>
+            </a:r>
+            <a:endParaRPr lang="en-US" altLang="zh-CN" sz="1600" b="1" dirty="0">
+              <a:latin typeface="微软雅黑" panose="020B0503020204020204" pitchFamily="34" charset="-122"/>
+              <a:ea typeface="微软雅黑" panose="020B0503020204020204" pitchFamily="34" charset="-122"/>
+            </a:endParaRPr>
+          </a:p>
+        </p:txBody>
+      </p:sp>
+      <p:pic>
+        <p:nvPicPr>
+          <p:cNvPr id="4099" name="Picture 3" descr="E:\project\系统文档\策划个人文档\章颜\幽冥天尊\data\怒技攻击路径.png"/>
+          <p:cNvPicPr>
+            <a:picLocks noChangeAspect="1" noChangeArrowheads="1"/>
+          </p:cNvPicPr>
+          <p:nvPr/>
+        </p:nvPicPr>
+        <p:blipFill rotWithShape="1">
+          <a:blip r:embed="rId2">
+            <a:extLst>
+              <a:ext uri="{28A0092B-C50C-407E-A947-70E740481C1C}">
+                <a14:useLocalDpi xmlns:a14="http://schemas.microsoft.com/office/drawing/2010/main" val="0"/>
+              </a:ext>
+            </a:extLst>
+          </a:blip>
+          <a:srcRect l="26151" t="24223" r="30384" b="25418"/>
+          <a:stretch/>
+        </p:blipFill>
+        <p:spPr bwMode="auto">
+          <a:xfrm>
+            <a:off x="120923" y="1485578"/>
+            <a:ext cx="3928472" cy="1995227"/>
+          </a:xfrm>
+          <a:prstGeom prst="rect">
+            <a:avLst/>
+          </a:prstGeom>
+          <a:noFill/>
+          <a:extLst>
+            <a:ext uri="{909E8E84-426E-40DD-AFC4-6F175D3DCCD1}">
+              <a14:hiddenFill xmlns:a14="http://schemas.microsoft.com/office/drawing/2010/main">
+                <a:solidFill>
+                  <a:srgbClr val="FFFFFF"/>
+                </a:solidFill>
+              </a14:hiddenFill>
+            </a:ext>
+          </a:extLst>
+        </p:spPr>
+      </p:pic>
+      <p:pic>
+        <p:nvPicPr>
+          <p:cNvPr id="4100" name="Picture 4" descr="E:\project\系统文档\策划个人文档\章颜\成年洛璃\怒技效果图\洛神剑蓄力动效图例.png"/>
+          <p:cNvPicPr>
+            <a:picLocks noChangeAspect="1" noChangeArrowheads="1"/>
+          </p:cNvPicPr>
+          <p:nvPr/>
+        </p:nvPicPr>
+        <p:blipFill>
+          <a:blip r:embed="rId3" cstate="print">
+            <a:extLst>
+              <a:ext uri="{28A0092B-C50C-407E-A947-70E740481C1C}">
+                <a14:useLocalDpi xmlns:a14="http://schemas.microsoft.com/office/drawing/2010/main" val="0"/>
+              </a:ext>
+            </a:extLst>
+          </a:blip>
+          <a:srcRect/>
+          <a:stretch>
+            <a:fillRect/>
+          </a:stretch>
+        </p:blipFill>
+        <p:spPr bwMode="auto">
+          <a:xfrm>
+            <a:off x="4153372" y="1496641"/>
+            <a:ext cx="3266080" cy="1984164"/>
+          </a:xfrm>
+          <a:prstGeom prst="rect">
+            <a:avLst/>
+          </a:prstGeom>
+          <a:noFill/>
+          <a:extLst>
+            <a:ext uri="{909E8E84-426E-40DD-AFC4-6F175D3DCCD1}">
+              <a14:hiddenFill xmlns:a14="http://schemas.microsoft.com/office/drawing/2010/main">
+                <a:solidFill>
+                  <a:srgbClr val="FFFFFF"/>
+                </a:solidFill>
+              </a14:hiddenFill>
+            </a:ext>
+          </a:extLst>
+        </p:spPr>
+      </p:pic>
+      <p:pic>
+        <p:nvPicPr>
+          <p:cNvPr id="4102" name="Picture 6" descr="E:\project\系统文档\策划个人文档\章颜\绫清竹动效需求\素材\nuji.png"/>
+          <p:cNvPicPr>
+            <a:picLocks noChangeAspect="1" noChangeArrowheads="1"/>
+          </p:cNvPicPr>
+          <p:nvPr/>
+        </p:nvPicPr>
+        <p:blipFill rotWithShape="1">
+          <a:blip r:embed="rId4" cstate="print">
+            <a:extLst>
+              <a:ext uri="{28A0092B-C50C-407E-A947-70E740481C1C}">
+                <a14:useLocalDpi xmlns:a14="http://schemas.microsoft.com/office/drawing/2010/main" val="0"/>
+              </a:ext>
+            </a:extLst>
+          </a:blip>
+          <a:srcRect r="10135"/>
+          <a:stretch/>
+        </p:blipFill>
+        <p:spPr bwMode="auto">
+          <a:xfrm>
+            <a:off x="120923" y="4005858"/>
+            <a:ext cx="5976664" cy="1517127"/>
+          </a:xfrm>
+          <a:prstGeom prst="rect">
+            <a:avLst/>
+          </a:prstGeom>
+          <a:noFill/>
+          <a:extLst>
+            <a:ext uri="{909E8E84-426E-40DD-AFC4-6F175D3DCCD1}">
+              <a14:hiddenFill xmlns:a14="http://schemas.microsoft.com/office/drawing/2010/main">
+                <a:solidFill>
+                  <a:srgbClr val="FFFFFF"/>
+                </a:solidFill>
+              </a14:hiddenFill>
+            </a:ext>
+          </a:extLst>
+        </p:spPr>
+      </p:pic>
+      <p:pic>
+        <p:nvPicPr>
+          <p:cNvPr id="13" name="图片 12"/>
+          <p:cNvPicPr>
+            <a:picLocks noChangeAspect="1"/>
+          </p:cNvPicPr>
+          <p:nvPr/>
+        </p:nvPicPr>
+        <p:blipFill rotWithShape="1">
+          <a:blip r:embed="rId5">
+            <a:extLst>
+              <a:ext uri="{28A0092B-C50C-407E-A947-70E740481C1C}">
+                <a14:useLocalDpi xmlns:a14="http://schemas.microsoft.com/office/drawing/2010/main" val="0"/>
+              </a:ext>
+            </a:extLst>
+          </a:blip>
+          <a:srcRect l="20631" t="29683" r="17846" b="5042"/>
+          <a:stretch/>
+        </p:blipFill>
+        <p:spPr>
+          <a:xfrm>
+            <a:off x="7537747" y="1509365"/>
+            <a:ext cx="3783012" cy="1973350"/>
+          </a:xfrm>
+          <a:prstGeom prst="rect">
+            <a:avLst/>
+          </a:prstGeom>
+        </p:spPr>
+      </p:pic>
+      <p:pic>
+        <p:nvPicPr>
+          <p:cNvPr id="4103" name="Picture 7" descr="E:\project\系统文档\策划个人文档\章颜\神秘人动效果需求\素材\PUGOONG.png"/>
+          <p:cNvPicPr>
+            <a:picLocks noChangeAspect="1" noChangeArrowheads="1"/>
+          </p:cNvPicPr>
+          <p:nvPr/>
+        </p:nvPicPr>
+        <p:blipFill rotWithShape="1">
+          <a:blip r:embed="rId6" cstate="print">
+            <a:extLst>
+              <a:ext uri="{28A0092B-C50C-407E-A947-70E740481C1C}">
+                <a14:useLocalDpi xmlns:a14="http://schemas.microsoft.com/office/drawing/2010/main" val="0"/>
+              </a:ext>
+            </a:extLst>
+          </a:blip>
+          <a:srcRect l="20940"/>
+          <a:stretch/>
+        </p:blipFill>
+        <p:spPr bwMode="auto">
+          <a:xfrm>
+            <a:off x="6529635" y="3970104"/>
+            <a:ext cx="4752528" cy="2598000"/>
+          </a:xfrm>
+          <a:prstGeom prst="rect">
+            <a:avLst/>
+          </a:prstGeom>
+          <a:noFill/>
+          <a:extLst>
+            <a:ext uri="{909E8E84-426E-40DD-AFC4-6F175D3DCCD1}">
+              <a14:hiddenFill xmlns:a14="http://schemas.microsoft.com/office/drawing/2010/main">
+                <a:solidFill>
+                  <a:srgbClr val="FFFFFF"/>
+                </a:solidFill>
+              </a14:hiddenFill>
+            </a:ext>
+          </a:extLst>
+        </p:spPr>
+      </p:pic>
+      <p:sp>
+        <p:nvSpPr>
+          <p:cNvPr id="2" name="TextBox 1"/>
+          <p:cNvSpPr txBox="1"/>
+          <p:nvPr/>
+        </p:nvSpPr>
+        <p:spPr>
+          <a:xfrm>
+            <a:off x="1463081" y="3556695"/>
+            <a:ext cx="1244156" cy="246221"/>
+          </a:xfrm>
+          <a:prstGeom prst="rect">
+            <a:avLst/>
+          </a:prstGeom>
+          <a:noFill/>
+        </p:spPr>
+        <p:txBody>
+          <a:bodyPr wrap="square" rtlCol="0">
+            <a:spAutoFit/>
+          </a:bodyPr>
+          <a:lstStyle/>
+          <a:p>
+            <a:pPr algn="ctr"/>
+            <a:r>
+              <a:rPr lang="zh-CN" altLang="en-US" sz="1000" dirty="0" smtClean="0"/>
+              <a:t>幽冥天尊动作</a:t>
+            </a:r>
+            <a:endParaRPr lang="zh-CN" altLang="en-US" sz="1000" dirty="0"/>
+          </a:p>
+        </p:txBody>
+      </p:sp>
+      <p:sp>
+        <p:nvSpPr>
+          <p:cNvPr id="17" name="TextBox 16"/>
+          <p:cNvSpPr txBox="1"/>
+          <p:nvPr/>
+        </p:nvSpPr>
+        <p:spPr>
+          <a:xfrm>
+            <a:off x="5164333" y="3560565"/>
+            <a:ext cx="1365301" cy="246221"/>
+          </a:xfrm>
+          <a:prstGeom prst="rect">
+            <a:avLst/>
+          </a:prstGeom>
+          <a:noFill/>
+        </p:spPr>
+        <p:txBody>
+          <a:bodyPr wrap="square" rtlCol="0">
+            <a:spAutoFit/>
+          </a:bodyPr>
+          <a:lstStyle/>
+          <a:p>
+            <a:pPr algn="ctr"/>
+            <a:r>
+              <a:rPr lang="zh-CN" altLang="en-US" sz="1000" dirty="0" smtClean="0"/>
+              <a:t>成年洛璃技能特效</a:t>
+            </a:r>
+            <a:endParaRPr lang="zh-CN" altLang="en-US" sz="1000" dirty="0"/>
+          </a:p>
+        </p:txBody>
+      </p:sp>
+      <p:sp>
+        <p:nvSpPr>
+          <p:cNvPr id="18" name="TextBox 17"/>
+          <p:cNvSpPr txBox="1"/>
+          <p:nvPr/>
+        </p:nvSpPr>
+        <p:spPr>
+          <a:xfrm>
+            <a:off x="8746602" y="3560565"/>
+            <a:ext cx="1365301" cy="246221"/>
+          </a:xfrm>
+          <a:prstGeom prst="rect">
+            <a:avLst/>
+          </a:prstGeom>
+          <a:noFill/>
+        </p:spPr>
+        <p:txBody>
+          <a:bodyPr wrap="square" rtlCol="0">
+            <a:spAutoFit/>
+          </a:bodyPr>
+          <a:lstStyle/>
+          <a:p>
+            <a:pPr algn="ctr"/>
+            <a:r>
+              <a:rPr lang="zh-CN" altLang="en-US" sz="1000" dirty="0" smtClean="0"/>
+              <a:t>九幽普攻</a:t>
+            </a:r>
+            <a:endParaRPr lang="zh-CN" altLang="en-US" sz="1000" dirty="0"/>
+          </a:p>
+        </p:txBody>
+      </p:sp>
+      <p:sp>
+        <p:nvSpPr>
+          <p:cNvPr id="20" name="TextBox 19"/>
+          <p:cNvSpPr txBox="1"/>
+          <p:nvPr/>
+        </p:nvSpPr>
+        <p:spPr>
+          <a:xfrm>
+            <a:off x="2253202" y="5590034"/>
+            <a:ext cx="1244156" cy="246221"/>
+          </a:xfrm>
+          <a:prstGeom prst="rect">
+            <a:avLst/>
+          </a:prstGeom>
+          <a:noFill/>
+        </p:spPr>
+        <p:txBody>
+          <a:bodyPr wrap="square" rtlCol="0">
+            <a:spAutoFit/>
+          </a:bodyPr>
+          <a:lstStyle/>
+          <a:p>
+            <a:pPr algn="ctr"/>
+            <a:r>
+              <a:rPr lang="zh-CN" altLang="en-US" sz="1000" dirty="0"/>
+              <a:t>绫清</a:t>
+            </a:r>
+            <a:r>
+              <a:rPr lang="zh-CN" altLang="en-US" sz="1000" dirty="0" smtClean="0"/>
+              <a:t>竹技能特效</a:t>
+            </a:r>
+            <a:endParaRPr lang="zh-CN" altLang="en-US" sz="1000" dirty="0"/>
+          </a:p>
+        </p:txBody>
+      </p:sp>
+      <p:sp>
+        <p:nvSpPr>
+          <p:cNvPr id="21" name="TextBox 20"/>
+          <p:cNvSpPr txBox="1"/>
+          <p:nvPr/>
+        </p:nvSpPr>
+        <p:spPr>
+          <a:xfrm>
+            <a:off x="8545859" y="6598364"/>
+            <a:ext cx="1244156" cy="246221"/>
+          </a:xfrm>
+          <a:prstGeom prst="rect">
+            <a:avLst/>
+          </a:prstGeom>
+          <a:noFill/>
+        </p:spPr>
+        <p:txBody>
+          <a:bodyPr wrap="square" rtlCol="0">
+            <a:spAutoFit/>
+          </a:bodyPr>
+          <a:lstStyle/>
+          <a:p>
+            <a:pPr algn="ctr"/>
+            <a:r>
+              <a:rPr lang="zh-CN" altLang="en-US" sz="1000" dirty="0" smtClean="0"/>
+              <a:t>神秘人动效</a:t>
+            </a:r>
+            <a:endParaRPr lang="zh-CN" altLang="en-US" sz="1000" dirty="0"/>
           </a:p>
         </p:txBody>
       </p:sp>
@@ -28628,7 +29114,7 @@
 </p:sld>
 </file>
 
-<file path=ppt/slides/slide22.xml><?xml version="1.0" encoding="utf-8"?>
+<file path=ppt/slides/slide23.xml><?xml version="1.0" encoding="utf-8"?>
 <p:sld xmlns:a="http://schemas.openxmlformats.org/drawingml/2006/main" xmlns:r="http://schemas.openxmlformats.org/officeDocument/2006/relationships" xmlns:p="http://schemas.openxmlformats.org/presentationml/2006/main">
   <p:cSld>
     <p:spTree>
@@ -29078,7 +29564,7 @@
 </p:sld>
 </file>
 
-<file path=ppt/slides/slide23.xml><?xml version="1.0" encoding="utf-8"?>
+<file path=ppt/slides/slide24.xml><?xml version="1.0" encoding="utf-8"?>
 <p:sld xmlns:a="http://schemas.openxmlformats.org/drawingml/2006/main" xmlns:r="http://schemas.openxmlformats.org/officeDocument/2006/relationships" xmlns:p="http://schemas.openxmlformats.org/presentationml/2006/main">
   <p:cSld>
     <p:spTree>
@@ -29218,7 +29704,7 @@
                 <a:latin typeface="Calibri" panose="020F0502020204030204" charset="0"/>
                 <a:cs typeface="Calibri" panose="020F0502020204030204" charset="0"/>
               </a:rPr>
-              <a:t>23</a:t>
+              <a:t>24</a:t>
             </a:fld>
             <a:endParaRPr lang="zh-CN" altLang="en-US" sz="900" b="1">
               <a:solidFill>
@@ -29276,7 +29762,7 @@
         <p:spPr>
           <a:xfrm>
             <a:off x="539750" y="2036731"/>
-            <a:ext cx="3829646" cy="307777"/>
+            <a:ext cx="5485829" cy="307777"/>
           </a:xfrm>
           <a:prstGeom prst="rect">
             <a:avLst/>
@@ -29314,8 +29800,31 @@
                 <a:latin typeface="微软雅黑" panose="020B0503020204020204" pitchFamily="34" charset="-122"/>
                 <a:ea typeface="微软雅黑" panose="020B0503020204020204" pitchFamily="34" charset="-122"/>
               </a:rPr>
-              <a:t>提升自己在动效方面的设计水平</a:t>
+              <a:t>提升自己在动效方面的设计水</a:t>
             </a:r>
+            <a:r>
+              <a:rPr lang="zh-CN" altLang="en-US" sz="1400" b="1" dirty="0" smtClean="0">
+                <a:solidFill>
+                  <a:schemeClr val="tx1">
+                    <a:lumMod val="75000"/>
+                    <a:lumOff val="25000"/>
+                  </a:schemeClr>
+                </a:solidFill>
+                <a:latin typeface="微软雅黑" panose="020B0503020204020204" pitchFamily="34" charset="-122"/>
+                <a:ea typeface="微软雅黑" panose="020B0503020204020204" pitchFamily="34" charset="-122"/>
+              </a:rPr>
+              <a:t>平和好的产品分析能力</a:t>
+            </a:r>
+            <a:endParaRPr lang="zh-CN" altLang="en-US" sz="1400" b="1" dirty="0">
+              <a:solidFill>
+                <a:schemeClr val="tx1">
+                  <a:lumMod val="75000"/>
+                  <a:lumOff val="25000"/>
+                </a:schemeClr>
+              </a:solidFill>
+              <a:latin typeface="微软雅黑" panose="020B0503020204020204" pitchFamily="34" charset="-122"/>
+              <a:ea typeface="微软雅黑" panose="020B0503020204020204" pitchFamily="34" charset="-122"/>
+            </a:endParaRPr>
           </a:p>
         </p:txBody>
       </p:sp>
@@ -29582,7 +30091,7 @@
           <p:cNvPr id="11" name="TextBox 24">
             <a:extLst>
               <a:ext uri="{FF2B5EF4-FFF2-40B4-BE49-F238E27FC236}">
-                <a16:creationId xmlns:a16="http://schemas.microsoft.com/office/drawing/2014/main" id="{639E0015-5D97-4604-8FEB-DD2E67E1A8EE}"/>
+                <a16:creationId xmlns:a16="http://schemas.microsoft.com/office/drawing/2014/main" xmlns="" id="{639E0015-5D97-4604-8FEB-DD2E67E1A8EE}"/>
               </a:ext>
             </a:extLst>
           </p:cNvPr>
@@ -29591,8 +30100,8 @@
         </p:nvSpPr>
         <p:spPr>
           <a:xfrm>
-            <a:off x="760404" y="2402349"/>
-            <a:ext cx="4837757" cy="307777"/>
+            <a:off x="913011" y="2413923"/>
+            <a:ext cx="5472608" cy="307777"/>
           </a:xfrm>
           <a:prstGeom prst="rect">
             <a:avLst/>
@@ -29630,8 +30139,31 @@
                 <a:latin typeface="微软雅黑" panose="020B0503020204020204" pitchFamily="34" charset="-122"/>
                 <a:ea typeface="微软雅黑" panose="020B0503020204020204" pitchFamily="34" charset="-122"/>
               </a:rPr>
-              <a:t>充分把握市场审美，提升自己抓住人物锚点的能力</a:t>
+              <a:t>充分把握市场审美，提升自己抓住人物锚点的能</a:t>
             </a:r>
+            <a:r>
+              <a:rPr lang="zh-CN" altLang="en-US" sz="1400" b="1" dirty="0" smtClean="0">
+                <a:solidFill>
+                  <a:schemeClr val="tx1">
+                    <a:lumMod val="75000"/>
+                    <a:lumOff val="25000"/>
+                  </a:schemeClr>
+                </a:solidFill>
+                <a:latin typeface="微软雅黑" panose="020B0503020204020204" pitchFamily="34" charset="-122"/>
+                <a:ea typeface="微软雅黑" panose="020B0503020204020204" pitchFamily="34" charset="-122"/>
+              </a:rPr>
+              <a:t>力和设计能力</a:t>
+            </a:r>
+            <a:endParaRPr lang="zh-CN" altLang="en-US" sz="1400" b="1" dirty="0">
+              <a:solidFill>
+                <a:schemeClr val="tx1">
+                  <a:lumMod val="75000"/>
+                  <a:lumOff val="25000"/>
+                </a:schemeClr>
+              </a:solidFill>
+              <a:latin typeface="微软雅黑" panose="020B0503020204020204" pitchFamily="34" charset="-122"/>
+              <a:ea typeface="微软雅黑" panose="020B0503020204020204" pitchFamily="34" charset="-122"/>
+            </a:endParaRPr>
           </a:p>
         </p:txBody>
       </p:sp>
@@ -29640,7 +30172,7 @@
           <p:cNvPr id="14" name="TextBox 24">
             <a:extLst>
               <a:ext uri="{FF2B5EF4-FFF2-40B4-BE49-F238E27FC236}">
-                <a16:creationId xmlns:a16="http://schemas.microsoft.com/office/drawing/2014/main" id="{6259DA89-BDD1-47F1-8E93-9531A7152591}"/>
+                <a16:creationId xmlns:a16="http://schemas.microsoft.com/office/drawing/2014/main" xmlns="" id="{6259DA89-BDD1-47F1-8E93-9531A7152591}"/>
               </a:ext>
             </a:extLst>
           </p:cNvPr>
@@ -29649,8 +30181,8 @@
         </p:nvSpPr>
         <p:spPr>
           <a:xfrm>
-            <a:off x="1078844" y="2783592"/>
-            <a:ext cx="4554355" cy="523220"/>
+            <a:off x="985019" y="2781722"/>
+            <a:ext cx="5306775" cy="523220"/>
           </a:xfrm>
           <a:prstGeom prst="rect">
             <a:avLst/>
@@ -29665,7 +30197,7 @@
           <a:p>
             <a:pPr algn="ctr"/>
             <a:r>
-              <a:rPr lang="en-US" altLang="zh-CN" sz="1400" b="1" dirty="0">
+              <a:rPr lang="en-US" altLang="zh-CN" sz="1400" b="1" dirty="0" smtClean="0">
                 <a:solidFill>
                   <a:schemeClr val="tx1">
                     <a:lumMod val="75000"/>
@@ -29678,7 +30210,7 @@
               <a:t>3.</a:t>
             </a:r>
             <a:r>
-              <a:rPr lang="zh-CN" altLang="en-US" sz="1400" b="1" dirty="0">
+              <a:rPr lang="zh-CN" altLang="en-US" sz="1400" b="1" dirty="0" smtClean="0">
                 <a:solidFill>
                   <a:schemeClr val="tx1">
                     <a:lumMod val="75000"/>
@@ -29688,7 +30220,20 @@
                 <a:latin typeface="微软雅黑" panose="020B0503020204020204" pitchFamily="34" charset="-122"/>
                 <a:ea typeface="微软雅黑" panose="020B0503020204020204" pitchFamily="34" charset="-122"/>
               </a:rPr>
-              <a:t>不断总结与归纳工作当中遇到的问题，寻找解决办法，优化工作流程中的各个问题，让流程变得更加高效。</a:t>
+              <a:t>提高游戏阅历，不</a:t>
+            </a:r>
+            <a:r>
+              <a:rPr lang="zh-CN" altLang="en-US" sz="1400" b="1" dirty="0">
+                <a:solidFill>
+                  <a:schemeClr val="tx1">
+                    <a:lumMod val="75000"/>
+                    <a:lumOff val="25000"/>
+                  </a:schemeClr>
+                </a:solidFill>
+                <a:latin typeface="微软雅黑" panose="020B0503020204020204" pitchFamily="34" charset="-122"/>
+                <a:ea typeface="微软雅黑" panose="020B0503020204020204" pitchFamily="34" charset="-122"/>
+              </a:rPr>
+              <a:t>断总结与归纳工作当中遇到的问题，寻找解决办法，优化工作流程中的各个问题，让流程变得更加高效。</a:t>
             </a:r>
           </a:p>
         </p:txBody>
@@ -29698,7 +30243,7 @@
           <p:cNvPr id="4" name="文本框 3">
             <a:extLst>
               <a:ext uri="{FF2B5EF4-FFF2-40B4-BE49-F238E27FC236}">
-                <a16:creationId xmlns:a16="http://schemas.microsoft.com/office/drawing/2014/main" id="{63AABF72-798D-4BDA-AFA8-55B5ACBD791B}"/>
+                <a16:creationId xmlns:a16="http://schemas.microsoft.com/office/drawing/2014/main" xmlns="" id="{63AABF72-798D-4BDA-AFA8-55B5ACBD791B}"/>
               </a:ext>
             </a:extLst>
           </p:cNvPr>
@@ -29742,7 +30287,7 @@
           <p:cNvPr id="5" name="文本框 4">
             <a:extLst>
               <a:ext uri="{FF2B5EF4-FFF2-40B4-BE49-F238E27FC236}">
-                <a16:creationId xmlns:a16="http://schemas.microsoft.com/office/drawing/2014/main" id="{D69FEE57-DF8F-4334-9910-0791ADAAC5D2}"/>
+                <a16:creationId xmlns:a16="http://schemas.microsoft.com/office/drawing/2014/main" xmlns="" id="{D69FEE57-DF8F-4334-9910-0791ADAAC5D2}"/>
               </a:ext>
             </a:extLst>
           </p:cNvPr>
@@ -29780,7 +30325,7 @@
           <p:cNvPr id="17" name="文本框 16">
             <a:extLst>
               <a:ext uri="{FF2B5EF4-FFF2-40B4-BE49-F238E27FC236}">
-                <a16:creationId xmlns:a16="http://schemas.microsoft.com/office/drawing/2014/main" id="{9D755D87-BC34-4B2D-B645-CDAB30DB2A87}"/>
+                <a16:creationId xmlns:a16="http://schemas.microsoft.com/office/drawing/2014/main" xmlns="" id="{9D755D87-BC34-4B2D-B645-CDAB30DB2A87}"/>
               </a:ext>
             </a:extLst>
           </p:cNvPr>
@@ -29818,7 +30363,7 @@
           <p:cNvPr id="18" name="文本框 17">
             <a:extLst>
               <a:ext uri="{FF2B5EF4-FFF2-40B4-BE49-F238E27FC236}">
-                <a16:creationId xmlns:a16="http://schemas.microsoft.com/office/drawing/2014/main" id="{05CBADC1-403B-4C86-A76F-5E6388E63715}"/>
+                <a16:creationId xmlns:a16="http://schemas.microsoft.com/office/drawing/2014/main" xmlns="" id="{05CBADC1-403B-4C86-A76F-5E6388E63715}"/>
               </a:ext>
             </a:extLst>
           </p:cNvPr>
@@ -29856,7 +30401,7 @@
           <p:cNvPr id="19" name="文本框 18">
             <a:extLst>
               <a:ext uri="{FF2B5EF4-FFF2-40B4-BE49-F238E27FC236}">
-                <a16:creationId xmlns:a16="http://schemas.microsoft.com/office/drawing/2014/main" id="{E23FDB4F-3E2F-4938-98A2-CE38BA7B1037}"/>
+                <a16:creationId xmlns:a16="http://schemas.microsoft.com/office/drawing/2014/main" xmlns="" id="{E23FDB4F-3E2F-4938-98A2-CE38BA7B1037}"/>
               </a:ext>
             </a:extLst>
           </p:cNvPr>
@@ -29894,7 +30439,7 @@
           <p:cNvPr id="2050" name="Picture 2">
             <a:extLst>
               <a:ext uri="{FF2B5EF4-FFF2-40B4-BE49-F238E27FC236}">
-                <a16:creationId xmlns:a16="http://schemas.microsoft.com/office/drawing/2014/main" id="{15660C2E-8ED1-4EC7-861B-9CA91018C11C}"/>
+                <a16:creationId xmlns:a16="http://schemas.microsoft.com/office/drawing/2014/main" xmlns="" id="{15660C2E-8ED1-4EC7-861B-9CA91018C11C}"/>
               </a:ext>
             </a:extLst>
           </p:cNvPr>
@@ -30031,7 +30576,7 @@
 </p:sld>
 </file>
 
-<file path=ppt/slides/slide24.xml><?xml version="1.0" encoding="utf-8"?>
+<file path=ppt/slides/slide25.xml><?xml version="1.0" encoding="utf-8"?>
 <p:sld xmlns:a="http://schemas.openxmlformats.org/drawingml/2006/main" xmlns:r="http://schemas.openxmlformats.org/officeDocument/2006/relationships" xmlns:p="http://schemas.openxmlformats.org/presentationml/2006/main">
   <p:cSld>
     <p:bg>
@@ -31428,7 +31973,7 @@
           <p:cNvPr id="6" name="文本框 5">
             <a:extLst>
               <a:ext uri="{FF2B5EF4-FFF2-40B4-BE49-F238E27FC236}">
-                <a16:creationId xmlns:a16="http://schemas.microsoft.com/office/drawing/2014/main" id="{863D40B6-DF41-4E1F-91DD-80715253B952}"/>
+                <a16:creationId xmlns:a16="http://schemas.microsoft.com/office/drawing/2014/main" xmlns="" id="{863D40B6-DF41-4E1F-91DD-80715253B952}"/>
               </a:ext>
             </a:extLst>
           </p:cNvPr>
@@ -31479,7 +32024,7 @@
           <p:cNvPr id="11" name="文本框 10">
             <a:extLst>
               <a:ext uri="{FF2B5EF4-FFF2-40B4-BE49-F238E27FC236}">
-                <a16:creationId xmlns:a16="http://schemas.microsoft.com/office/drawing/2014/main" id="{27913B81-51DB-4D0B-9727-7BFA70EAF1FF}"/>
+                <a16:creationId xmlns:a16="http://schemas.microsoft.com/office/drawing/2014/main" xmlns="" id="{27913B81-51DB-4D0B-9727-7BFA70EAF1FF}"/>
               </a:ext>
             </a:extLst>
           </p:cNvPr>
@@ -31514,7 +32059,7 @@
           <p:cNvPr id="12" name="文本框 11">
             <a:extLst>
               <a:ext uri="{FF2B5EF4-FFF2-40B4-BE49-F238E27FC236}">
-                <a16:creationId xmlns:a16="http://schemas.microsoft.com/office/drawing/2014/main" id="{4BDD6D89-1F0E-402E-A68F-D181BDC629D1}"/>
+                <a16:creationId xmlns:a16="http://schemas.microsoft.com/office/drawing/2014/main" xmlns="" id="{4BDD6D89-1F0E-402E-A68F-D181BDC629D1}"/>
               </a:ext>
             </a:extLst>
           </p:cNvPr>
@@ -31549,7 +32094,7 @@
           <p:cNvPr id="13" name="文本框 12">
             <a:extLst>
               <a:ext uri="{FF2B5EF4-FFF2-40B4-BE49-F238E27FC236}">
-                <a16:creationId xmlns:a16="http://schemas.microsoft.com/office/drawing/2014/main" id="{90BD6939-33BE-4E94-9A67-E0F564ADE638}"/>
+                <a16:creationId xmlns:a16="http://schemas.microsoft.com/office/drawing/2014/main" xmlns="" id="{90BD6939-33BE-4E94-9A67-E0F564ADE638}"/>
               </a:ext>
             </a:extLst>
           </p:cNvPr>
@@ -32898,7 +33443,7 @@
           <p:cNvPr id="4" name="图片 3">
             <a:extLst>
               <a:ext uri="{FF2B5EF4-FFF2-40B4-BE49-F238E27FC236}">
-                <a16:creationId xmlns:a16="http://schemas.microsoft.com/office/drawing/2014/main" id="{009802A2-C05F-4790-B955-60E8956B8942}"/>
+                <a16:creationId xmlns:a16="http://schemas.microsoft.com/office/drawing/2014/main" xmlns="" id="{009802A2-C05F-4790-B955-60E8956B8942}"/>
               </a:ext>
             </a:extLst>
           </p:cNvPr>
@@ -32915,7 +33460,7 @@
         </p:blipFill>
         <p:spPr>
           <a:xfrm>
-            <a:off x="-23093" y="818097"/>
+            <a:off x="5157" y="818097"/>
             <a:ext cx="10844958" cy="3805348"/>
           </a:xfrm>
           <a:prstGeom prst="rect">
@@ -32928,7 +33473,7 @@
           <p:cNvPr id="15" name="图片 14">
             <a:extLst>
               <a:ext uri="{FF2B5EF4-FFF2-40B4-BE49-F238E27FC236}">
-                <a16:creationId xmlns:a16="http://schemas.microsoft.com/office/drawing/2014/main" id="{6C271B7E-493A-408C-88D1-D44DE29822C4}"/>
+                <a16:creationId xmlns:a16="http://schemas.microsoft.com/office/drawing/2014/main" xmlns="" id="{6C271B7E-493A-408C-88D1-D44DE29822C4}"/>
               </a:ext>
             </a:extLst>
           </p:cNvPr>
@@ -32945,7 +33490,7 @@
         </p:blipFill>
         <p:spPr>
           <a:xfrm>
-            <a:off x="7531683" y="818097"/>
+            <a:off x="7275593" y="818097"/>
             <a:ext cx="4919582" cy="5420010"/>
           </a:xfrm>
           <a:prstGeom prst="rect">
@@ -33007,6 +33552,51 @@
           </a:extLst>
         </p:spPr>
       </p:pic>
+      <p:sp>
+        <p:nvSpPr>
+          <p:cNvPr id="7" name="TextBox 6"/>
+          <p:cNvSpPr txBox="1"/>
+          <p:nvPr/>
+        </p:nvSpPr>
+        <p:spPr>
+          <a:xfrm>
+            <a:off x="1028551" y="5460985"/>
+            <a:ext cx="3650529" cy="707886"/>
+          </a:xfrm>
+          <a:prstGeom prst="rect">
+            <a:avLst/>
+          </a:prstGeom>
+          <a:noFill/>
+        </p:spPr>
+        <p:txBody>
+          <a:bodyPr wrap="square" rtlCol="0">
+            <a:spAutoFit/>
+          </a:bodyPr>
+          <a:lstStyle/>
+          <a:p>
+            <a:r>
+              <a:rPr lang="zh-CN" altLang="en-US" sz="4000" b="1" dirty="0" smtClean="0">
+                <a:solidFill>
+                  <a:schemeClr val="bg1">
+                    <a:lumMod val="85000"/>
+                  </a:schemeClr>
+                </a:solidFill>
+              </a:rPr>
+              <a:t>系</a:t>
+            </a:r>
+            <a:r>
+              <a:rPr lang="zh-CN" altLang="en-US" sz="4000" b="1" dirty="0">
+                <a:solidFill>
+                  <a:schemeClr val="bg1">
+                    <a:lumMod val="85000"/>
+                  </a:schemeClr>
+                </a:solidFill>
+              </a:rPr>
+              <a:t>统执行策划</a:t>
+            </a:r>
+          </a:p>
+        </p:txBody>
+      </p:sp>
     </p:spTree>
     <p:extLst>
       <p:ext uri="{BB962C8B-B14F-4D97-AF65-F5344CB8AC3E}">
@@ -36315,7 +36905,7 @@
   <a:extraClrSchemeLst/>
   <a:extLst>
     <a:ext uri="{05A4C25C-085E-4340-85A3-A5531E510DB2}">
-      <thm15:themeFamily xmlns:thm15="http://schemas.microsoft.com/office/thememl/2012/main" name="Office Theme" id="{62F939B6-93AF-4DB8-9C6B-D6C7DFDC589F}" vid="{4A3C46E8-61CC-4603-A589-7422A47A8E4A}"/>
+      <thm15:themeFamily xmlns:thm15="http://schemas.microsoft.com/office/thememl/2012/main" xmlns="" name="Office Theme" id="{62F939B6-93AF-4DB8-9C6B-D6C7DFDC589F}" vid="{4A3C46E8-61CC-4603-A589-7422A47A8E4A}"/>
     </a:ext>
   </a:extLst>
 </a:theme>
@@ -36516,7 +37106,7 @@
   <a:extraClrSchemeLst/>
   <a:extLst>
     <a:ext uri="{05A4C25C-085E-4340-85A3-A5531E510DB2}">
-      <thm15:themeFamily xmlns:thm15="http://schemas.microsoft.com/office/thememl/2012/main" name="Office Theme" id="{62F939B6-93AF-4DB8-9C6B-D6C7DFDC589F}" vid="{4A3C46E8-61CC-4603-A589-7422A47A8E4A}"/>
+      <thm15:themeFamily xmlns:thm15="http://schemas.microsoft.com/office/thememl/2012/main" xmlns="" name="Office Theme" id="{62F939B6-93AF-4DB8-9C6B-D6C7DFDC589F}" vid="{4A3C46E8-61CC-4603-A589-7422A47A8E4A}"/>
     </a:ext>
   </a:extLst>
 </a:theme>
@@ -36806,7 +37396,7 @@
   <a:extraClrSchemeLst/>
   <a:extLst>
     <a:ext uri="{05A4C25C-085E-4340-85A3-A5531E510DB2}">
-      <thm15:themeFamily xmlns:thm15="http://schemas.microsoft.com/office/thememl/2012/main" name="Office Theme" id="{62F939B6-93AF-4DB8-9C6B-D6C7DFDC589F}" vid="{4A3C46E8-61CC-4603-A589-7422A47A8E4A}"/>
+      <thm15:themeFamily xmlns:thm15="http://schemas.microsoft.com/office/thememl/2012/main" xmlns="" name="Office Theme" id="{62F939B6-93AF-4DB8-9C6B-D6C7DFDC589F}" vid="{4A3C46E8-61CC-4603-A589-7422A47A8E4A}"/>
     </a:ext>
   </a:extLst>
 </a:theme>
@@ -37067,7 +37657,7 @@
   <a:extraClrSchemeLst/>
   <a:extLst>
     <a:ext uri="{05A4C25C-085E-4340-85A3-A5531E510DB2}">
-      <thm15:themeFamily xmlns:thm15="http://schemas.microsoft.com/office/thememl/2012/main" name="Office Theme" id="{62F939B6-93AF-4DB8-9C6B-D6C7DFDC589F}" vid="{4A3C46E8-61CC-4603-A589-7422A47A8E4A}"/>
+      <thm15:themeFamily xmlns:thm15="http://schemas.microsoft.com/office/thememl/2012/main" xmlns="" name="Office Theme" id="{62F939B6-93AF-4DB8-9C6B-D6C7DFDC589F}" vid="{4A3C46E8-61CC-4603-A589-7422A47A8E4A}"/>
     </a:ext>
   </a:extLst>
 </a:theme>
